--- a/TeamProgressSimulation.pptx
+++ b/TeamProgressSimulation.pptx
@@ -5667,7 +5667,7 @@
           <a:effectLst/>
           <a:extLst>
             <a:ext uri="{91240B29-F687-4f45-9708-019B960494DF}">
-              <a14:hiddenLine xmlns="" xmlns:a14="http://schemas.microsoft.com/office/drawing/2010/main" w="9525">
+              <a14:hiddenLine xmlns:a14="http://schemas.microsoft.com/office/drawing/2010/main" xmlns="" w="9525">
                 <a:solidFill>
                   <a:srgbClr val="000000"/>
                 </a:solidFill>
@@ -7325,7 +7325,7 @@
           <a:ln/>
           <a:extLst>
             <a:ext uri="{91240B29-F687-4f45-9708-019B960494DF}">
-              <a14:hiddenLine xmlns="" xmlns:a14="http://schemas.microsoft.com/office/drawing/2010/main" w="9525">
+              <a14:hiddenLine xmlns:a14="http://schemas.microsoft.com/office/drawing/2010/main" xmlns="" w="9525">
                 <a:solidFill>
                   <a:srgbClr val="000000"/>
                 </a:solidFill>
@@ -7605,7 +7605,7 @@
           <a:ln/>
           <a:extLst>
             <a:ext uri="{91240B29-F687-4f45-9708-019B960494DF}">
-              <a14:hiddenLine xmlns="" xmlns:a14="http://schemas.microsoft.com/office/drawing/2010/main" w="9525">
+              <a14:hiddenLine xmlns:a14="http://schemas.microsoft.com/office/drawing/2010/main" xmlns="" w="9525">
                 <a:solidFill>
                   <a:srgbClr val="000000"/>
                 </a:solidFill>
@@ -7893,7 +7893,7 @@
           <a:ln/>
           <a:extLst>
             <a:ext uri="{91240B29-F687-4f45-9708-019B960494DF}">
-              <a14:hiddenLine xmlns="" xmlns:a14="http://schemas.microsoft.com/office/drawing/2010/main" w="9525">
+              <a14:hiddenLine xmlns:a14="http://schemas.microsoft.com/office/drawing/2010/main" xmlns="" w="9525">
                 <a:solidFill>
                   <a:srgbClr val="000000"/>
                 </a:solidFill>
@@ -8558,7 +8558,7 @@
           <a:ln/>
           <a:extLst>
             <a:ext uri="{91240B29-F687-4f45-9708-019B960494DF}">
-              <a14:hiddenLine xmlns="" xmlns:a14="http://schemas.microsoft.com/office/drawing/2010/main" w="9525">
+              <a14:hiddenLine xmlns:a14="http://schemas.microsoft.com/office/drawing/2010/main" xmlns="" w="9525">
                 <a:solidFill>
                   <a:srgbClr val="000000"/>
                 </a:solidFill>
@@ -8910,7 +8910,7 @@
           <a:ln/>
           <a:extLst>
             <a:ext uri="{91240B29-F687-4f45-9708-019B960494DF}">
-              <a14:hiddenLine xmlns="" xmlns:a14="http://schemas.microsoft.com/office/drawing/2010/main" w="9525">
+              <a14:hiddenLine xmlns:a14="http://schemas.microsoft.com/office/drawing/2010/main" xmlns="" w="9525">
                 <a:solidFill>
                   <a:srgbClr val="000000"/>
                 </a:solidFill>
@@ -9474,7 +9474,7 @@
           <a:ln/>
           <a:extLst>
             <a:ext uri="{91240B29-F687-4f45-9708-019B960494DF}">
-              <a14:hiddenLine xmlns="" xmlns:a14="http://schemas.microsoft.com/office/drawing/2010/main" w="9525">
+              <a14:hiddenLine xmlns:a14="http://schemas.microsoft.com/office/drawing/2010/main" xmlns="" w="9525">
                 <a:solidFill>
                   <a:srgbClr val="000000"/>
                 </a:solidFill>
@@ -9897,7 +9897,7 @@
           <a:ln/>
           <a:extLst>
             <a:ext uri="{91240B29-F687-4f45-9708-019B960494DF}">
-              <a14:hiddenLine xmlns="" xmlns:a14="http://schemas.microsoft.com/office/drawing/2010/main" w="9525">
+              <a14:hiddenLine xmlns:a14="http://schemas.microsoft.com/office/drawing/2010/main" xmlns="" w="9525">
                 <a:solidFill>
                   <a:srgbClr val="000000"/>
                 </a:solidFill>
@@ -11384,7 +11384,7 @@
         </p:blipFill>
         <p:spPr>
           <a:xfrm>
-            <a:off x="231932" y="2705976"/>
+            <a:off x="231932" y="2515373"/>
             <a:ext cx="3404816" cy="3636963"/>
           </a:xfrm>
         </p:spPr>
@@ -11470,6 +11470,54 @@
               <a:t>目安が分かって助かるね」</a:t>
             </a:r>
             <a:endParaRPr kumimoji="1" lang="en-US" altLang="ja-JP" sz="2800" dirty="0"/>
+          </a:p>
+        </p:txBody>
+      </p:sp>
+      <p:sp>
+        <p:nvSpPr>
+          <p:cNvPr id="3" name="テキスト ボックス 2">
+            <a:extLst>
+              <a:ext uri="{FF2B5EF4-FFF2-40B4-BE49-F238E27FC236}">
+                <a16:creationId xmlns:a16="http://schemas.microsoft.com/office/drawing/2014/main" id="{C1E2D6D4-7BCE-3A41-88A9-C9B5A3A43C59}"/>
+              </a:ext>
+            </a:extLst>
+          </p:cNvPr>
+          <p:cNvSpPr txBox="1"/>
+          <p:nvPr/>
+        </p:nvSpPr>
+        <p:spPr>
+          <a:xfrm>
+            <a:off x="167873" y="6152336"/>
+            <a:ext cx="3954929" cy="307777"/>
+          </a:xfrm>
+          <a:prstGeom prst="rect">
+            <a:avLst/>
+          </a:prstGeom>
+          <a:noFill/>
+        </p:spPr>
+        <p:txBody>
+          <a:bodyPr wrap="none" rtlCol="0">
+            <a:spAutoFit/>
+          </a:bodyPr>
+          <a:lstStyle/>
+          <a:p>
+            <a:r>
+              <a:rPr lang="ja-JP" altLang="en-US" sz="1400"/>
+              <a:t>出展：青野慶久</a:t>
+            </a:r>
+            <a:r>
+              <a:rPr kumimoji="1" lang="en-US" altLang="ja-JP" sz="1400" dirty="0"/>
+              <a:t>『</a:t>
+            </a:r>
+            <a:r>
+              <a:rPr kumimoji="1" lang="ja-JP" altLang="en-US" sz="1400"/>
+              <a:t>チームのことだけ、考えた</a:t>
+            </a:r>
+            <a:r>
+              <a:rPr kumimoji="1" lang="en-US" altLang="ja-JP" sz="1400" dirty="0"/>
+              <a:t>』</a:t>
+            </a:r>
+            <a:endParaRPr kumimoji="1" lang="ja-JP" altLang="en-US" sz="1400"/>
           </a:p>
         </p:txBody>
       </p:sp>

--- a/TeamProgressSimulation.pptx
+++ b/TeamProgressSimulation.pptx
@@ -9,6 +9,7 @@
     <p:sldId id="258" r:id="rId3"/>
     <p:sldId id="257" r:id="rId4"/>
     <p:sldId id="259" r:id="rId5"/>
+    <p:sldId id="260" r:id="rId6"/>
   </p:sldIdLst>
   <p:sldSz cx="12192000" cy="6858000"/>
   <p:notesSz cx="6858000" cy="9144000"/>
@@ -1642,7 +1643,10 @@
         <a:lstStyle/>
         <a:p>
           <a:r>
-            <a:rPr kumimoji="1" lang="ja-JP" altLang="en-US" sz="2400"/>
+            <a:rPr kumimoji="1" lang="ja-JP" altLang="en-US" sz="2400" b="1" i="0">
+              <a:latin typeface="Hiragino Kaku Gothic Pro W6" panose="020B0300000000000000" pitchFamily="34" charset="-128"/>
+              <a:ea typeface="Hiragino Kaku Gothic Pro W6" panose="020B0300000000000000" pitchFamily="34" charset="-128"/>
+            </a:rPr>
             <a:t>力を　合わせて進む</a:t>
           </a:r>
         </a:p>
@@ -1655,7 +1659,10 @@
         <a:bodyPr/>
         <a:lstStyle/>
         <a:p>
-          <a:endParaRPr kumimoji="1" lang="ja-JP" altLang="en-US" sz="2000"/>
+          <a:endParaRPr kumimoji="1" lang="ja-JP" altLang="en-US" sz="2000" b="1" i="0">
+            <a:latin typeface="Hiragino Kaku Gothic Pro W6" panose="020B0300000000000000" pitchFamily="34" charset="-128"/>
+            <a:ea typeface="Hiragino Kaku Gothic Pro W6" panose="020B0300000000000000" pitchFamily="34" charset="-128"/>
+          </a:endParaRPr>
         </a:p>
       </dgm:t>
     </dgm:pt>
@@ -1666,7 +1673,10 @@
         <a:bodyPr/>
         <a:lstStyle/>
         <a:p>
-          <a:endParaRPr kumimoji="1" lang="ja-JP" altLang="en-US" sz="1800"/>
+          <a:endParaRPr kumimoji="1" lang="ja-JP" altLang="en-US" sz="1800" b="1" i="0">
+            <a:latin typeface="Hiragino Kaku Gothic Pro W6" panose="020B0300000000000000" pitchFamily="34" charset="-128"/>
+            <a:ea typeface="Hiragino Kaku Gothic Pro W6" panose="020B0300000000000000" pitchFamily="34" charset="-128"/>
+          </a:endParaRPr>
         </a:p>
       </dgm:t>
     </dgm:pt>
@@ -1678,7 +1688,10 @@
         <a:lstStyle/>
         <a:p>
           <a:r>
-            <a:rPr kumimoji="1" lang="ja-JP" altLang="en-US" sz="2400"/>
+            <a:rPr kumimoji="1" lang="ja-JP" altLang="en-US" sz="2400" b="1" i="0">
+              <a:latin typeface="Hiragino Kaku Gothic Pro W6" panose="020B0300000000000000" pitchFamily="34" charset="-128"/>
+              <a:ea typeface="Hiragino Kaku Gothic Pro W6" panose="020B0300000000000000" pitchFamily="34" charset="-128"/>
+            </a:rPr>
             <a:t>ゴール方向を見失う</a:t>
           </a:r>
         </a:p>
@@ -1691,7 +1704,10 @@
         <a:bodyPr/>
         <a:lstStyle/>
         <a:p>
-          <a:endParaRPr kumimoji="1" lang="ja-JP" altLang="en-US" sz="2000"/>
+          <a:endParaRPr kumimoji="1" lang="ja-JP" altLang="en-US" sz="2000" b="1" i="0">
+            <a:latin typeface="Hiragino Kaku Gothic Pro W6" panose="020B0300000000000000" pitchFamily="34" charset="-128"/>
+            <a:ea typeface="Hiragino Kaku Gothic Pro W6" panose="020B0300000000000000" pitchFamily="34" charset="-128"/>
+          </a:endParaRPr>
         </a:p>
       </dgm:t>
     </dgm:pt>
@@ -1702,7 +1718,10 @@
         <a:bodyPr/>
         <a:lstStyle/>
         <a:p>
-          <a:endParaRPr kumimoji="1" lang="ja-JP" altLang="en-US" sz="1800"/>
+          <a:endParaRPr kumimoji="1" lang="ja-JP" altLang="en-US" sz="1800" b="1" i="0">
+            <a:latin typeface="Hiragino Kaku Gothic Pro W6" panose="020B0300000000000000" pitchFamily="34" charset="-128"/>
+            <a:ea typeface="Hiragino Kaku Gothic Pro W6" panose="020B0300000000000000" pitchFamily="34" charset="-128"/>
+          </a:endParaRPr>
         </a:p>
       </dgm:t>
     </dgm:pt>
@@ -1714,7 +1733,10 @@
         <a:lstStyle/>
         <a:p>
           <a:r>
-            <a:rPr kumimoji="1" lang="ja-JP" altLang="en-US" sz="2400"/>
+            <a:rPr kumimoji="1" lang="ja-JP" altLang="en-US" sz="2400" b="1" i="0">
+              <a:latin typeface="Hiragino Kaku Gothic Pro W6" panose="020B0300000000000000" pitchFamily="34" charset="-128"/>
+              <a:ea typeface="Hiragino Kaku Gothic Pro W6" panose="020B0300000000000000" pitchFamily="34" charset="-128"/>
+            </a:rPr>
             <a:t>会議で方向を確認</a:t>
           </a:r>
         </a:p>
@@ -1727,7 +1749,10 @@
         <a:bodyPr/>
         <a:lstStyle/>
         <a:p>
-          <a:endParaRPr kumimoji="1" lang="ja-JP" altLang="en-US" sz="2000"/>
+          <a:endParaRPr kumimoji="1" lang="ja-JP" altLang="en-US" sz="2000" b="1" i="0">
+            <a:latin typeface="Hiragino Kaku Gothic Pro W6" panose="020B0300000000000000" pitchFamily="34" charset="-128"/>
+            <a:ea typeface="Hiragino Kaku Gothic Pro W6" panose="020B0300000000000000" pitchFamily="34" charset="-128"/>
+          </a:endParaRPr>
         </a:p>
       </dgm:t>
     </dgm:pt>
@@ -1738,7 +1763,10 @@
         <a:bodyPr/>
         <a:lstStyle/>
         <a:p>
-          <a:endParaRPr kumimoji="1" lang="ja-JP" altLang="en-US" sz="1800"/>
+          <a:endParaRPr kumimoji="1" lang="ja-JP" altLang="en-US" sz="1800" b="1" i="0">
+            <a:latin typeface="Hiragino Kaku Gothic Pro W6" panose="020B0300000000000000" pitchFamily="34" charset="-128"/>
+            <a:ea typeface="Hiragino Kaku Gothic Pro W6" panose="020B0300000000000000" pitchFamily="34" charset="-128"/>
+          </a:endParaRPr>
         </a:p>
       </dgm:t>
     </dgm:pt>
@@ -1849,14 +1877,17 @@
       </dgm:t>
     </dgm:pt>
     <dgm:pt modelId="{651F2FEC-0547-984F-A0FC-6759A29F6AF1}">
-      <dgm:prSet phldrT="[テキスト]"/>
+      <dgm:prSet phldrT="[テキスト]" custT="1"/>
       <dgm:spPr/>
       <dgm:t>
         <a:bodyPr/>
         <a:lstStyle/>
         <a:p>
           <a:r>
-            <a:rPr kumimoji="1" lang="ja-JP" altLang="en-US"/>
+            <a:rPr kumimoji="1" lang="ja-JP" altLang="en-US" sz="2800" b="1" i="0">
+              <a:latin typeface="Hiragino Kaku Gothic Pro W6" panose="020B0300000000000000" pitchFamily="34" charset="-128"/>
+              <a:ea typeface="Hiragino Kaku Gothic Pro W6" panose="020B0300000000000000" pitchFamily="34" charset="-128"/>
+            </a:rPr>
             <a:t>人数</a:t>
           </a:r>
         </a:p>
@@ -1869,7 +1900,10 @@
         <a:bodyPr/>
         <a:lstStyle/>
         <a:p>
-          <a:endParaRPr kumimoji="1" lang="ja-JP" altLang="en-US"/>
+          <a:endParaRPr kumimoji="1" lang="ja-JP" altLang="en-US" sz="1600" b="1" i="0">
+            <a:latin typeface="Hiragino Kaku Gothic Pro W6" panose="020B0300000000000000" pitchFamily="34" charset="-128"/>
+            <a:ea typeface="Hiragino Kaku Gothic Pro W6" panose="020B0300000000000000" pitchFamily="34" charset="-128"/>
+          </a:endParaRPr>
         </a:p>
       </dgm:t>
     </dgm:pt>
@@ -1880,19 +1914,25 @@
         <a:bodyPr/>
         <a:lstStyle/>
         <a:p>
-          <a:endParaRPr kumimoji="1" lang="ja-JP" altLang="en-US"/>
+          <a:endParaRPr kumimoji="1" lang="ja-JP" altLang="en-US" sz="1600" b="1" i="0">
+            <a:latin typeface="Hiragino Kaku Gothic Pro W6" panose="020B0300000000000000" pitchFamily="34" charset="-128"/>
+            <a:ea typeface="Hiragino Kaku Gothic Pro W6" panose="020B0300000000000000" pitchFamily="34" charset="-128"/>
+          </a:endParaRPr>
         </a:p>
       </dgm:t>
     </dgm:pt>
     <dgm:pt modelId="{F8958642-5500-1940-A123-DF31A862F9FE}">
-      <dgm:prSet phldrT="[テキスト]"/>
+      <dgm:prSet phldrT="[テキスト]" custT="1"/>
       <dgm:spPr/>
       <dgm:t>
         <a:bodyPr/>
         <a:lstStyle/>
         <a:p>
           <a:r>
-            <a:rPr kumimoji="1" lang="ja-JP" altLang="en-US"/>
+            <a:rPr kumimoji="1" lang="ja-JP" altLang="en-US" sz="2400" b="1" i="0">
+              <a:latin typeface="Hiragino Kaku Gothic Pro W6" panose="020B0300000000000000" pitchFamily="34" charset="-128"/>
+              <a:ea typeface="Hiragino Kaku Gothic Pro W6" panose="020B0300000000000000" pitchFamily="34" charset="-128"/>
+            </a:rPr>
             <a:t>必要工数</a:t>
           </a:r>
         </a:p>
@@ -1905,7 +1945,10 @@
         <a:bodyPr/>
         <a:lstStyle/>
         <a:p>
-          <a:endParaRPr kumimoji="1" lang="ja-JP" altLang="en-US"/>
+          <a:endParaRPr kumimoji="1" lang="ja-JP" altLang="en-US" sz="1600" b="1" i="0">
+            <a:latin typeface="Hiragino Kaku Gothic Pro W6" panose="020B0300000000000000" pitchFamily="34" charset="-128"/>
+            <a:ea typeface="Hiragino Kaku Gothic Pro W6" panose="020B0300000000000000" pitchFamily="34" charset="-128"/>
+          </a:endParaRPr>
         </a:p>
       </dgm:t>
     </dgm:pt>
@@ -1916,7 +1959,10 @@
         <a:bodyPr/>
         <a:lstStyle/>
         <a:p>
-          <a:endParaRPr kumimoji="1" lang="ja-JP" altLang="en-US"/>
+          <a:endParaRPr kumimoji="1" lang="ja-JP" altLang="en-US" sz="1600" b="1" i="0">
+            <a:latin typeface="Hiragino Kaku Gothic Pro W6" panose="020B0300000000000000" pitchFamily="34" charset="-128"/>
+            <a:ea typeface="Hiragino Kaku Gothic Pro W6" panose="020B0300000000000000" pitchFamily="34" charset="-128"/>
+          </a:endParaRPr>
         </a:p>
       </dgm:t>
     </dgm:pt>
@@ -1928,9 +1974,16 @@
         <a:lstStyle/>
         <a:p>
           <a:r>
-            <a:rPr kumimoji="1" lang="ja-JP" altLang="en-US" sz="1800"/>
+            <a:rPr kumimoji="1" lang="ja-JP" altLang="en-US" sz="1800" b="1" i="0">
+              <a:latin typeface="Hiragino Kaku Gothic Pro W6" panose="020B0300000000000000" pitchFamily="34" charset="-128"/>
+              <a:ea typeface="Hiragino Kaku Gothic Pro W6" panose="020B0300000000000000" pitchFamily="34" charset="-128"/>
+            </a:rPr>
             <a:t>不確実性</a:t>
           </a:r>
+          <a:endParaRPr kumimoji="1" lang="ja-JP" altLang="en-US" sz="1600" b="1" i="0">
+            <a:latin typeface="Hiragino Kaku Gothic Pro W6" panose="020B0300000000000000" pitchFamily="34" charset="-128"/>
+            <a:ea typeface="Hiragino Kaku Gothic Pro W6" panose="020B0300000000000000" pitchFamily="34" charset="-128"/>
+          </a:endParaRPr>
         </a:p>
       </dgm:t>
     </dgm:pt>
@@ -1941,7 +1994,10 @@
         <a:bodyPr/>
         <a:lstStyle/>
         <a:p>
-          <a:endParaRPr kumimoji="1" lang="ja-JP" altLang="en-US"/>
+          <a:endParaRPr kumimoji="1" lang="ja-JP" altLang="en-US" sz="1600" b="1" i="0">
+            <a:latin typeface="Hiragino Kaku Gothic Pro W6" panose="020B0300000000000000" pitchFamily="34" charset="-128"/>
+            <a:ea typeface="Hiragino Kaku Gothic Pro W6" panose="020B0300000000000000" pitchFamily="34" charset="-128"/>
+          </a:endParaRPr>
         </a:p>
       </dgm:t>
     </dgm:pt>
@@ -1952,7 +2008,10 @@
         <a:bodyPr/>
         <a:lstStyle/>
         <a:p>
-          <a:endParaRPr kumimoji="1" lang="ja-JP" altLang="en-US"/>
+          <a:endParaRPr kumimoji="1" lang="ja-JP" altLang="en-US" sz="1600" b="1" i="0">
+            <a:latin typeface="Hiragino Kaku Gothic Pro W6" panose="020B0300000000000000" pitchFamily="34" charset="-128"/>
+            <a:ea typeface="Hiragino Kaku Gothic Pro W6" panose="020B0300000000000000" pitchFamily="34" charset="-128"/>
+          </a:endParaRPr>
         </a:p>
       </dgm:t>
     </dgm:pt>
@@ -1964,11 +2023,17 @@
         <a:lstStyle/>
         <a:p>
           <a:r>
-            <a:rPr kumimoji="1" lang="ja-JP" altLang="en-US" sz="2800" b="1" u="sng"/>
+            <a:rPr kumimoji="1" lang="ja-JP" altLang="en-US" sz="2400" b="1" i="0" u="sng">
+              <a:latin typeface="Hiragino Kaku Gothic Pro W6" panose="020B0300000000000000" pitchFamily="34" charset="-128"/>
+              <a:ea typeface="Hiragino Kaku Gothic Pro W6" panose="020B0300000000000000" pitchFamily="34" charset="-128"/>
+            </a:rPr>
             <a:t>最適会議頻度</a:t>
           </a:r>
           <a:r>
-            <a:rPr kumimoji="1" lang="ja-JP" altLang="en-US" sz="2600"/>
+            <a:rPr kumimoji="1" lang="ja-JP" altLang="en-US" sz="2400" b="1" i="0">
+              <a:latin typeface="Hiragino Kaku Gothic Pro W6" panose="020B0300000000000000" pitchFamily="34" charset="-128"/>
+              <a:ea typeface="Hiragino Kaku Gothic Pro W6" panose="020B0300000000000000" pitchFamily="34" charset="-128"/>
+            </a:rPr>
             <a:t>のご提案！</a:t>
           </a:r>
         </a:p>
@@ -1981,7 +2046,10 @@
         <a:bodyPr/>
         <a:lstStyle/>
         <a:p>
-          <a:endParaRPr kumimoji="1" lang="ja-JP" altLang="en-US"/>
+          <a:endParaRPr kumimoji="1" lang="ja-JP" altLang="en-US" sz="1600" b="1" i="0">
+            <a:latin typeface="Hiragino Kaku Gothic Pro W6" panose="020B0300000000000000" pitchFamily="34" charset="-128"/>
+            <a:ea typeface="Hiragino Kaku Gothic Pro W6" panose="020B0300000000000000" pitchFamily="34" charset="-128"/>
+          </a:endParaRPr>
         </a:p>
       </dgm:t>
     </dgm:pt>
@@ -1992,7 +2060,10 @@
         <a:bodyPr/>
         <a:lstStyle/>
         <a:p>
-          <a:endParaRPr kumimoji="1" lang="ja-JP" altLang="en-US"/>
+          <a:endParaRPr kumimoji="1" lang="ja-JP" altLang="en-US" sz="1600" b="1" i="0">
+            <a:latin typeface="Hiragino Kaku Gothic Pro W6" panose="020B0300000000000000" pitchFamily="34" charset="-128"/>
+            <a:ea typeface="Hiragino Kaku Gothic Pro W6" panose="020B0300000000000000" pitchFamily="34" charset="-128"/>
+          </a:endParaRPr>
         </a:p>
       </dgm:t>
     </dgm:pt>
@@ -2153,7 +2224,10 @@
             <a:buNone/>
           </a:pPr>
           <a:r>
-            <a:rPr kumimoji="1" lang="ja-JP" altLang="en-US" sz="2400" kern="1200"/>
+            <a:rPr kumimoji="1" lang="ja-JP" altLang="en-US" sz="2400" b="1" i="0" kern="1200">
+              <a:latin typeface="Hiragino Kaku Gothic Pro W6" panose="020B0300000000000000" pitchFamily="34" charset="-128"/>
+              <a:ea typeface="Hiragino Kaku Gothic Pro W6" panose="020B0300000000000000" pitchFamily="34" charset="-128"/>
+            </a:rPr>
             <a:t>力を　合わせて進む</a:t>
           </a:r>
         </a:p>
@@ -2225,7 +2299,10 @@
             </a:spcAft>
             <a:buNone/>
           </a:pPr>
-          <a:endParaRPr kumimoji="1" lang="ja-JP" altLang="en-US" sz="1800" kern="1200"/>
+          <a:endParaRPr kumimoji="1" lang="ja-JP" altLang="en-US" sz="1800" b="1" i="0" kern="1200">
+            <a:latin typeface="Hiragino Kaku Gothic Pro W6" panose="020B0300000000000000" pitchFamily="34" charset="-128"/>
+            <a:ea typeface="Hiragino Kaku Gothic Pro W6" panose="020B0300000000000000" pitchFamily="34" charset="-128"/>
+          </a:endParaRPr>
         </a:p>
       </dsp:txBody>
       <dsp:txXfrm>
@@ -2300,7 +2377,10 @@
             <a:buNone/>
           </a:pPr>
           <a:r>
-            <a:rPr kumimoji="1" lang="ja-JP" altLang="en-US" sz="2400" kern="1200"/>
+            <a:rPr kumimoji="1" lang="ja-JP" altLang="en-US" sz="2400" b="1" i="0" kern="1200">
+              <a:latin typeface="Hiragino Kaku Gothic Pro W6" panose="020B0300000000000000" pitchFamily="34" charset="-128"/>
+              <a:ea typeface="Hiragino Kaku Gothic Pro W6" panose="020B0300000000000000" pitchFamily="34" charset="-128"/>
+            </a:rPr>
             <a:t>ゴール方向を見失う</a:t>
           </a:r>
         </a:p>
@@ -2372,7 +2452,10 @@
             </a:spcAft>
             <a:buNone/>
           </a:pPr>
-          <a:endParaRPr kumimoji="1" lang="ja-JP" altLang="en-US" sz="1800" kern="1200"/>
+          <a:endParaRPr kumimoji="1" lang="ja-JP" altLang="en-US" sz="1800" b="1" i="0" kern="1200">
+            <a:latin typeface="Hiragino Kaku Gothic Pro W6" panose="020B0300000000000000" pitchFamily="34" charset="-128"/>
+            <a:ea typeface="Hiragino Kaku Gothic Pro W6" panose="020B0300000000000000" pitchFamily="34" charset="-128"/>
+          </a:endParaRPr>
         </a:p>
       </dsp:txBody>
       <dsp:txXfrm rot="10800000">
@@ -2447,7 +2530,10 @@
             <a:buNone/>
           </a:pPr>
           <a:r>
-            <a:rPr kumimoji="1" lang="ja-JP" altLang="en-US" sz="2400" kern="1200"/>
+            <a:rPr kumimoji="1" lang="ja-JP" altLang="en-US" sz="2400" b="1" i="0" kern="1200">
+              <a:latin typeface="Hiragino Kaku Gothic Pro W6" panose="020B0300000000000000" pitchFamily="34" charset="-128"/>
+              <a:ea typeface="Hiragino Kaku Gothic Pro W6" panose="020B0300000000000000" pitchFamily="34" charset="-128"/>
+            </a:rPr>
             <a:t>会議で方向を確認</a:t>
           </a:r>
         </a:p>
@@ -2519,7 +2605,10 @@
             </a:spcAft>
             <a:buNone/>
           </a:pPr>
-          <a:endParaRPr kumimoji="1" lang="ja-JP" altLang="en-US" sz="1800" kern="1200"/>
+          <a:endParaRPr kumimoji="1" lang="ja-JP" altLang="en-US" sz="1800" b="1" i="0" kern="1200">
+            <a:latin typeface="Hiragino Kaku Gothic Pro W6" panose="020B0300000000000000" pitchFamily="34" charset="-128"/>
+            <a:ea typeface="Hiragino Kaku Gothic Pro W6" panose="020B0300000000000000" pitchFamily="34" charset="-128"/>
+          </a:endParaRPr>
         </a:p>
       </dsp:txBody>
       <dsp:txXfrm>
@@ -2660,12 +2749,12 @@
         <a:fontRef idx="minor"/>
       </dsp:style>
       <dsp:txBody>
-        <a:bodyPr spcFirstLastPara="0" vert="horz" wrap="square" lIns="199136" tIns="199136" rIns="199136" bIns="199136" numCol="1" spcCol="1270" anchor="ctr" anchorCtr="0">
+        <a:bodyPr spcFirstLastPara="0" vert="horz" wrap="square" lIns="170688" tIns="170688" rIns="170688" bIns="170688" numCol="1" spcCol="1270" anchor="ctr" anchorCtr="0">
           <a:noAutofit/>
         </a:bodyPr>
         <a:lstStyle/>
         <a:p>
-          <a:pPr marL="0" lvl="0" indent="0" algn="ctr" defTabSz="1244600">
+          <a:pPr marL="0" lvl="0" indent="0" algn="ctr" defTabSz="1066800">
             <a:lnSpc>
               <a:spcPct val="90000"/>
             </a:lnSpc>
@@ -2678,11 +2767,17 @@
             <a:buNone/>
           </a:pPr>
           <a:r>
-            <a:rPr kumimoji="1" lang="ja-JP" altLang="en-US" sz="2800" b="1" u="sng" kern="1200"/>
+            <a:rPr kumimoji="1" lang="ja-JP" altLang="en-US" sz="2400" b="1" i="0" u="sng" kern="1200">
+              <a:latin typeface="Hiragino Kaku Gothic Pro W6" panose="020B0300000000000000" pitchFamily="34" charset="-128"/>
+              <a:ea typeface="Hiragino Kaku Gothic Pro W6" panose="020B0300000000000000" pitchFamily="34" charset="-128"/>
+            </a:rPr>
             <a:t>最適会議頻度</a:t>
           </a:r>
           <a:r>
-            <a:rPr kumimoji="1" lang="ja-JP" altLang="en-US" sz="2600" kern="1200"/>
+            <a:rPr kumimoji="1" lang="ja-JP" altLang="en-US" sz="2400" b="1" i="0" kern="1200">
+              <a:latin typeface="Hiragino Kaku Gothic Pro W6" panose="020B0300000000000000" pitchFamily="34" charset="-128"/>
+              <a:ea typeface="Hiragino Kaku Gothic Pro W6" panose="020B0300000000000000" pitchFamily="34" charset="-128"/>
+            </a:rPr>
             <a:t>のご提案！</a:t>
           </a:r>
         </a:p>
@@ -2759,9 +2854,16 @@
             <a:buNone/>
           </a:pPr>
           <a:r>
-            <a:rPr kumimoji="1" lang="ja-JP" altLang="en-US" sz="1800" kern="1200"/>
+            <a:rPr kumimoji="1" lang="ja-JP" altLang="en-US" sz="1800" b="1" i="0" kern="1200">
+              <a:latin typeface="Hiragino Kaku Gothic Pro W6" panose="020B0300000000000000" pitchFamily="34" charset="-128"/>
+              <a:ea typeface="Hiragino Kaku Gothic Pro W6" panose="020B0300000000000000" pitchFamily="34" charset="-128"/>
+            </a:rPr>
             <a:t>不確実性</a:t>
           </a:r>
+          <a:endParaRPr kumimoji="1" lang="ja-JP" altLang="en-US" sz="1600" b="1" i="0" kern="1200">
+            <a:latin typeface="Hiragino Kaku Gothic Pro W6" panose="020B0300000000000000" pitchFamily="34" charset="-128"/>
+            <a:ea typeface="Hiragino Kaku Gothic Pro W6" panose="020B0300000000000000" pitchFamily="34" charset="-128"/>
+          </a:endParaRPr>
         </a:p>
       </dsp:txBody>
       <dsp:txXfrm>
@@ -2818,12 +2920,12 @@
         </a:fontRef>
       </dsp:style>
       <dsp:txBody>
-        <a:bodyPr spcFirstLastPara="0" vert="horz" wrap="square" lIns="34290" tIns="34290" rIns="34290" bIns="34290" numCol="1" spcCol="1270" anchor="ctr" anchorCtr="0">
+        <a:bodyPr spcFirstLastPara="0" vert="horz" wrap="square" lIns="30480" tIns="30480" rIns="30480" bIns="30480" numCol="1" spcCol="1270" anchor="ctr" anchorCtr="0">
           <a:noAutofit/>
         </a:bodyPr>
         <a:lstStyle/>
         <a:p>
-          <a:pPr marL="0" lvl="0" indent="0" algn="ctr" defTabSz="1200150">
+          <a:pPr marL="0" lvl="0" indent="0" algn="ctr" defTabSz="1066800">
             <a:lnSpc>
               <a:spcPct val="90000"/>
             </a:lnSpc>
@@ -2836,7 +2938,10 @@
             <a:buNone/>
           </a:pPr>
           <a:r>
-            <a:rPr kumimoji="1" lang="ja-JP" altLang="en-US" sz="2700" kern="1200"/>
+            <a:rPr kumimoji="1" lang="ja-JP" altLang="en-US" sz="2400" b="1" i="0" kern="1200">
+              <a:latin typeface="Hiragino Kaku Gothic Pro W6" panose="020B0300000000000000" pitchFamily="34" charset="-128"/>
+              <a:ea typeface="Hiragino Kaku Gothic Pro W6" panose="020B0300000000000000" pitchFamily="34" charset="-128"/>
+            </a:rPr>
             <a:t>必要工数</a:t>
           </a:r>
         </a:p>
@@ -2895,12 +3000,12 @@
         </a:fontRef>
       </dsp:style>
       <dsp:txBody>
-        <a:bodyPr spcFirstLastPara="0" vert="horz" wrap="square" lIns="34290" tIns="34290" rIns="34290" bIns="34290" numCol="1" spcCol="1270" anchor="ctr" anchorCtr="0">
+        <a:bodyPr spcFirstLastPara="0" vert="horz" wrap="square" lIns="35560" tIns="35560" rIns="35560" bIns="35560" numCol="1" spcCol="1270" anchor="ctr" anchorCtr="0">
           <a:noAutofit/>
         </a:bodyPr>
         <a:lstStyle/>
         <a:p>
-          <a:pPr marL="0" lvl="0" indent="0" algn="ctr" defTabSz="1200150">
+          <a:pPr marL="0" lvl="0" indent="0" algn="ctr" defTabSz="1244600">
             <a:lnSpc>
               <a:spcPct val="90000"/>
             </a:lnSpc>
@@ -2913,7 +3018,10 @@
             <a:buNone/>
           </a:pPr>
           <a:r>
-            <a:rPr kumimoji="1" lang="ja-JP" altLang="en-US" sz="2700" kern="1200"/>
+            <a:rPr kumimoji="1" lang="ja-JP" altLang="en-US" sz="2800" b="1" i="0" kern="1200">
+              <a:latin typeface="Hiragino Kaku Gothic Pro W6" panose="020B0300000000000000" pitchFamily="34" charset="-128"/>
+              <a:ea typeface="Hiragino Kaku Gothic Pro W6" panose="020B0300000000000000" pitchFamily="34" charset="-128"/>
+            </a:rPr>
             <a:t>人数</a:t>
           </a:r>
         </a:p>
@@ -5667,7 +5775,7 @@
           <a:effectLst/>
           <a:extLst>
             <a:ext uri="{91240B29-F687-4f45-9708-019B960494DF}">
-              <a14:hiddenLine xmlns:a14="http://schemas.microsoft.com/office/drawing/2010/main" xmlns="" w="9525">
+              <a14:hiddenLine xmlns="" xmlns:a14="http://schemas.microsoft.com/office/drawing/2010/main" w="9525">
                 <a:solidFill>
                   <a:srgbClr val="000000"/>
                 </a:solidFill>
@@ -5860,7 +5968,7 @@
             <a:fld id="{08B9EBBA-996F-894A-B54A-D6246ED52CEA}" type="datetimeFigureOut">
               <a:rPr lang="en-US" dirty="0"/>
               <a:pPr/>
-              <a:t>9/23/19</a:t>
+              <a:t>9/30/19</a:t>
             </a:fld>
             <a:endParaRPr lang="en-US" dirty="0"/>
           </a:p>
@@ -6212,7 +6320,7 @@
             <a:fld id="{18C79C5D-2A6F-F04D-97DA-BEF2467B64E4}" type="datetimeFigureOut">
               <a:rPr lang="en-US" dirty="0"/>
               <a:pPr/>
-              <a:t>9/23/19</a:t>
+              <a:t>9/30/19</a:t>
             </a:fld>
             <a:endParaRPr lang="en-US" dirty="0"/>
           </a:p>
@@ -6771,7 +6879,7 @@
             <a:fld id="{8DFA1846-DA80-1C48-A609-854EA85C59AD}" type="datetimeFigureOut">
               <a:rPr lang="en-US" dirty="0"/>
               <a:pPr/>
-              <a:t>9/23/19</a:t>
+              <a:t>9/30/19</a:t>
             </a:fld>
             <a:endParaRPr lang="en-US" dirty="0"/>
           </a:p>
@@ -7174,7 +7282,7 @@
             <a:fld id="{FBF54567-0DE4-3F47-BF90-CB84690072F9}" type="datetimeFigureOut">
               <a:rPr lang="en-US" dirty="0"/>
               <a:pPr/>
-              <a:t>9/23/19</a:t>
+              <a:t>9/30/19</a:t>
             </a:fld>
             <a:endParaRPr lang="en-US" dirty="0"/>
           </a:p>
@@ -7325,7 +7433,7 @@
           <a:ln/>
           <a:extLst>
             <a:ext uri="{91240B29-F687-4f45-9708-019B960494DF}">
-              <a14:hiddenLine xmlns:a14="http://schemas.microsoft.com/office/drawing/2010/main" xmlns="" w="9525">
+              <a14:hiddenLine xmlns="" xmlns:a14="http://schemas.microsoft.com/office/drawing/2010/main" w="9525">
                 <a:solidFill>
                   <a:srgbClr val="000000"/>
                 </a:solidFill>
@@ -7452,7 +7560,7 @@
             <a:fld id="{C6C52C72-DE31-F449-A4ED-4C594FD91407}" type="datetimeFigureOut">
               <a:rPr lang="en-US" dirty="0"/>
               <a:pPr/>
-              <a:t>9/23/19</a:t>
+              <a:t>9/30/19</a:t>
             </a:fld>
             <a:endParaRPr lang="en-US" dirty="0"/>
           </a:p>
@@ -7605,7 +7713,7 @@
           <a:ln/>
           <a:extLst>
             <a:ext uri="{91240B29-F687-4f45-9708-019B960494DF}">
-              <a14:hiddenLine xmlns:a14="http://schemas.microsoft.com/office/drawing/2010/main" xmlns="" w="9525">
+              <a14:hiddenLine xmlns="" xmlns:a14="http://schemas.microsoft.com/office/drawing/2010/main" w="9525">
                 <a:solidFill>
                   <a:srgbClr val="000000"/>
                 </a:solidFill>
@@ -7742,7 +7850,7 @@
             <a:fld id="{ED62726E-379B-B349-9EED-81ED093FA806}" type="datetimeFigureOut">
               <a:rPr lang="en-US" dirty="0"/>
               <a:pPr/>
-              <a:t>9/23/19</a:t>
+              <a:t>9/30/19</a:t>
             </a:fld>
             <a:endParaRPr lang="en-US" dirty="0"/>
           </a:p>
@@ -7893,7 +8001,7 @@
           <a:ln/>
           <a:extLst>
             <a:ext uri="{91240B29-F687-4f45-9708-019B960494DF}">
-              <a14:hiddenLine xmlns:a14="http://schemas.microsoft.com/office/drawing/2010/main" xmlns="" w="9525">
+              <a14:hiddenLine xmlns="" xmlns:a14="http://schemas.microsoft.com/office/drawing/2010/main" w="9525">
                 <a:solidFill>
                   <a:srgbClr val="000000"/>
                 </a:solidFill>
@@ -8030,7 +8138,7 @@
             <a:fld id="{9B3A1323-8D79-1946-B0D7-40001CF92E9D}" type="datetimeFigureOut">
               <a:rPr lang="en-US" dirty="0"/>
               <a:pPr/>
-              <a:t>9/23/19</a:t>
+              <a:t>9/30/19</a:t>
             </a:fld>
             <a:endParaRPr lang="en-US" dirty="0"/>
           </a:p>
@@ -8407,7 +8515,7 @@
             <a:fld id="{8DFA1846-DA80-1C48-A609-854EA85C59AD}" type="datetimeFigureOut">
               <a:rPr lang="en-US" dirty="0"/>
               <a:pPr/>
-              <a:t>9/23/19</a:t>
+              <a:t>9/30/19</a:t>
             </a:fld>
             <a:endParaRPr lang="en-US" dirty="0"/>
           </a:p>
@@ -8558,7 +8666,7 @@
           <a:ln/>
           <a:extLst>
             <a:ext uri="{91240B29-F687-4f45-9708-019B960494DF}">
-              <a14:hiddenLine xmlns:a14="http://schemas.microsoft.com/office/drawing/2010/main" xmlns="" w="9525">
+              <a14:hiddenLine xmlns="" xmlns:a14="http://schemas.microsoft.com/office/drawing/2010/main" w="9525">
                 <a:solidFill>
                   <a:srgbClr val="000000"/>
                 </a:solidFill>
@@ -8759,7 +8867,7 @@
             <a:fld id="{57302355-E14B-8545-A8F8-0FE83CC9D524}" type="datetimeFigureOut">
               <a:rPr lang="en-US" dirty="0"/>
               <a:pPr/>
-              <a:t>9/23/19</a:t>
+              <a:t>9/30/19</a:t>
             </a:fld>
             <a:endParaRPr lang="en-US" dirty="0"/>
           </a:p>
@@ -8910,7 +9018,7 @@
           <a:ln/>
           <a:extLst>
             <a:ext uri="{91240B29-F687-4f45-9708-019B960494DF}">
-              <a14:hiddenLine xmlns:a14="http://schemas.microsoft.com/office/drawing/2010/main" xmlns="" w="9525">
+              <a14:hiddenLine xmlns="" xmlns:a14="http://schemas.microsoft.com/office/drawing/2010/main" w="9525">
                 <a:solidFill>
                   <a:srgbClr val="000000"/>
                 </a:solidFill>
@@ -9323,7 +9431,7 @@
             <a:fld id="{02640F58-564D-2B4F-AE67-E407BA4FCF45}" type="datetimeFigureOut">
               <a:rPr lang="en-US" dirty="0"/>
               <a:pPr/>
-              <a:t>9/23/19</a:t>
+              <a:t>9/30/19</a:t>
             </a:fld>
             <a:endParaRPr lang="en-US" dirty="0"/>
           </a:p>
@@ -9474,7 +9582,7 @@
           <a:ln/>
           <a:extLst>
             <a:ext uri="{91240B29-F687-4f45-9708-019B960494DF}">
-              <a14:hiddenLine xmlns:a14="http://schemas.microsoft.com/office/drawing/2010/main" xmlns="" w="9525">
+              <a14:hiddenLine xmlns="" xmlns:a14="http://schemas.microsoft.com/office/drawing/2010/main" w="9525">
                 <a:solidFill>
                   <a:srgbClr val="000000"/>
                 </a:solidFill>
@@ -9541,7 +9649,7 @@
             <a:fld id="{F13A34C8-038E-2045-AF43-DF7DBB8E0E9E}" type="datetimeFigureOut">
               <a:rPr lang="en-US" dirty="0"/>
               <a:pPr/>
-              <a:t>9/23/19</a:t>
+              <a:t>9/30/19</a:t>
             </a:fld>
             <a:endParaRPr lang="en-US" dirty="0"/>
           </a:p>
@@ -9633,7 +9741,7 @@
             <a:fld id="{8818C68F-D26B-8F47-958C-23B49CF8A634}" type="datetimeFigureOut">
               <a:rPr lang="en-US" dirty="0"/>
               <a:pPr/>
-              <a:t>9/23/19</a:t>
+              <a:t>9/30/19</a:t>
             </a:fld>
             <a:endParaRPr lang="en-US" dirty="0"/>
           </a:p>
@@ -9897,7 +10005,7 @@
           <a:ln/>
           <a:extLst>
             <a:ext uri="{91240B29-F687-4f45-9708-019B960494DF}">
-              <a14:hiddenLine xmlns:a14="http://schemas.microsoft.com/office/drawing/2010/main" xmlns="" w="9525">
+              <a14:hiddenLine xmlns="" xmlns:a14="http://schemas.microsoft.com/office/drawing/2010/main" w="9525">
                 <a:solidFill>
                   <a:srgbClr val="000000"/>
                 </a:solidFill>
@@ -10142,7 +10250,7 @@
             <a:fld id="{D0DF5E60-9974-AC48-9591-99C2BB44B7CF}" type="datetimeFigureOut">
               <a:rPr lang="en-US" dirty="0"/>
               <a:pPr/>
-              <a:t>9/23/19</a:t>
+              <a:t>9/30/19</a:t>
             </a:fld>
             <a:endParaRPr lang="en-US" dirty="0"/>
           </a:p>
@@ -10489,7 +10597,7 @@
             <a:fld id="{18C79C5D-2A6F-F04D-97DA-BEF2467B64E4}" type="datetimeFigureOut">
               <a:rPr lang="en-US" dirty="0"/>
               <a:pPr/>
-              <a:t>9/23/19</a:t>
+              <a:t>9/30/19</a:t>
             </a:fld>
             <a:endParaRPr lang="en-US" dirty="0"/>
           </a:p>
@@ -10764,7 +10872,7 @@
             <a:fld id="{09B482E8-6E0E-1B4F-B1FD-C69DB9E858D9}" type="datetimeFigureOut">
               <a:rPr lang="en-US" dirty="0"/>
               <a:pPr/>
-              <a:t>9/23/19</a:t>
+              <a:t>9/30/19</a:t>
             </a:fld>
             <a:endParaRPr lang="en-US" dirty="0"/>
           </a:p>
@@ -11418,58 +11526,89 @@
           <a:lstStyle/>
           <a:p>
             <a:r>
-              <a:rPr kumimoji="1" lang="en-US" altLang="ja-JP" sz="2800" b="1" dirty="0"/>
-              <a:t>Target</a:t>
-            </a:r>
-            <a:r>
-              <a:rPr kumimoji="1" lang="en-US" altLang="ja-JP" sz="2800" dirty="0"/>
-              <a:t> :	</a:t>
-            </a:r>
-            <a:r>
-              <a:rPr kumimoji="1" lang="ja-JP" altLang="en-US" sz="2800"/>
+              <a:rPr kumimoji="1" lang="en-US" altLang="ja-JP" sz="2800" b="1" dirty="0">
+                <a:latin typeface="Hiragino Kaku Gothic Pro W6" panose="020B0300000000000000" pitchFamily="34" charset="-128"/>
+                <a:ea typeface="Hiragino Kaku Gothic Pro W6" panose="020B0300000000000000" pitchFamily="34" charset="-128"/>
+              </a:rPr>
+              <a:t>Target : </a:t>
+            </a:r>
+            <a:r>
+              <a:rPr kumimoji="1" lang="ja-JP" altLang="en-US" sz="2800" b="1">
+                <a:latin typeface="Hiragino Kaku Gothic Pro W6" panose="020B0300000000000000" pitchFamily="34" charset="-128"/>
+                <a:ea typeface="Hiragino Kaku Gothic Pro W6" panose="020B0300000000000000" pitchFamily="34" charset="-128"/>
+              </a:rPr>
               <a:t>運営しているチームの</a:t>
             </a:r>
-            <a:endParaRPr kumimoji="1" lang="en-US" altLang="ja-JP" sz="2800" dirty="0"/>
+            <a:endParaRPr kumimoji="1" lang="en-US" altLang="ja-JP" sz="2800" b="1" dirty="0">
+              <a:latin typeface="Hiragino Kaku Gothic Pro W6" panose="020B0300000000000000" pitchFamily="34" charset="-128"/>
+              <a:ea typeface="Hiragino Kaku Gothic Pro W6" panose="020B0300000000000000" pitchFamily="34" charset="-128"/>
+            </a:endParaRPr>
           </a:p>
           <a:p>
             <a:r>
-              <a:rPr kumimoji="1" lang="en-US" altLang="ja-JP" sz="2800" dirty="0"/>
-              <a:t>			</a:t>
-            </a:r>
-            <a:r>
-              <a:rPr kumimoji="1" lang="ja-JP" altLang="en-US" sz="2800"/>
+              <a:rPr kumimoji="1" lang="en-US" altLang="ja-JP" sz="2800" b="1" dirty="0">
+                <a:latin typeface="Hiragino Kaku Gothic Pro W6" panose="020B0300000000000000" pitchFamily="34" charset="-128"/>
+                <a:ea typeface="Hiragino Kaku Gothic Pro W6" panose="020B0300000000000000" pitchFamily="34" charset="-128"/>
+              </a:rPr>
+              <a:t>			  </a:t>
+            </a:r>
+            <a:r>
+              <a:rPr kumimoji="1" lang="ja-JP" altLang="en-US" sz="2800" b="1">
+                <a:latin typeface="Hiragino Kaku Gothic Pro W6" panose="020B0300000000000000" pitchFamily="34" charset="-128"/>
+                <a:ea typeface="Hiragino Kaku Gothic Pro W6" panose="020B0300000000000000" pitchFamily="34" charset="-128"/>
+              </a:rPr>
               <a:t>会議時間を減らしたいリーダー</a:t>
             </a:r>
-            <a:endParaRPr kumimoji="1" lang="en-US" altLang="ja-JP" sz="2800" dirty="0"/>
+            <a:endParaRPr kumimoji="1" lang="en-US" altLang="ja-JP" sz="2800" b="1" dirty="0">
+              <a:latin typeface="Hiragino Kaku Gothic Pro W6" panose="020B0300000000000000" pitchFamily="34" charset="-128"/>
+              <a:ea typeface="Hiragino Kaku Gothic Pro W6" panose="020B0300000000000000" pitchFamily="34" charset="-128"/>
+            </a:endParaRPr>
           </a:p>
           <a:p>
-            <a:endParaRPr kumimoji="1" lang="en-US" altLang="ja-JP" sz="2800" dirty="0"/>
+            <a:endParaRPr kumimoji="1" lang="en-US" altLang="ja-JP" sz="2800" b="1" dirty="0">
+              <a:latin typeface="Hiragino Kaku Gothic Pro W6" panose="020B0300000000000000" pitchFamily="34" charset="-128"/>
+              <a:ea typeface="Hiragino Kaku Gothic Pro W6" panose="020B0300000000000000" pitchFamily="34" charset="-128"/>
+            </a:endParaRPr>
           </a:p>
           <a:p>
             <a:r>
-              <a:rPr kumimoji="1" lang="en-US" altLang="ja-JP" sz="2800" b="1" dirty="0"/>
-              <a:t>Value</a:t>
-            </a:r>
-            <a:r>
-              <a:rPr kumimoji="1" lang="en-US" altLang="ja-JP" sz="2800" dirty="0"/>
-              <a:t> :</a:t>
-            </a:r>
-            <a:r>
-              <a:rPr kumimoji="1" lang="ja-JP" altLang="en-US" sz="2800"/>
+              <a:rPr kumimoji="1" lang="en-US" altLang="ja-JP" sz="2800" b="1" dirty="0">
+                <a:latin typeface="Hiragino Kaku Gothic Pro W6" panose="020B0300000000000000" pitchFamily="34" charset="-128"/>
+                <a:ea typeface="Hiragino Kaku Gothic Pro W6" panose="020B0300000000000000" pitchFamily="34" charset="-128"/>
+              </a:rPr>
+              <a:t>Value :</a:t>
+            </a:r>
+            <a:r>
+              <a:rPr kumimoji="1" lang="ja-JP" altLang="en-US" sz="2800" b="1">
+                <a:latin typeface="Hiragino Kaku Gothic Pro W6" panose="020B0300000000000000" pitchFamily="34" charset="-128"/>
+                <a:ea typeface="Hiragino Kaku Gothic Pro W6" panose="020B0300000000000000" pitchFamily="34" charset="-128"/>
+              </a:rPr>
               <a:t>「チームの定例会議スケジュールを決める</a:t>
             </a:r>
-            <a:endParaRPr kumimoji="1" lang="en-US" altLang="ja-JP" sz="2800" dirty="0"/>
+            <a:endParaRPr kumimoji="1" lang="en-US" altLang="ja-JP" sz="2800" b="1" dirty="0">
+              <a:latin typeface="Hiragino Kaku Gothic Pro W6" panose="020B0300000000000000" pitchFamily="34" charset="-128"/>
+              <a:ea typeface="Hiragino Kaku Gothic Pro W6" panose="020B0300000000000000" pitchFamily="34" charset="-128"/>
+            </a:endParaRPr>
           </a:p>
           <a:p>
             <a:r>
-              <a:rPr kumimoji="1" lang="en-US" altLang="ja-JP" sz="2800" dirty="0"/>
+              <a:rPr kumimoji="1" lang="en-US" altLang="ja-JP" sz="2800" b="1" dirty="0">
+                <a:latin typeface="Hiragino Kaku Gothic Pro W6" panose="020B0300000000000000" pitchFamily="34" charset="-128"/>
+                <a:ea typeface="Hiragino Kaku Gothic Pro W6" panose="020B0300000000000000" pitchFamily="34" charset="-128"/>
+              </a:rPr>
               <a:t>			</a:t>
             </a:r>
             <a:r>
-              <a:rPr kumimoji="1" lang="ja-JP" altLang="en-US" sz="2800"/>
+              <a:rPr kumimoji="1" lang="ja-JP" altLang="en-US" sz="2800" b="1">
+                <a:latin typeface="Hiragino Kaku Gothic Pro W6" panose="020B0300000000000000" pitchFamily="34" charset="-128"/>
+                <a:ea typeface="Hiragino Kaku Gothic Pro W6" panose="020B0300000000000000" pitchFamily="34" charset="-128"/>
+              </a:rPr>
               <a:t>目安が分かって助かるね」</a:t>
             </a:r>
-            <a:endParaRPr kumimoji="1" lang="en-US" altLang="ja-JP" sz="2800" dirty="0"/>
+            <a:endParaRPr kumimoji="1" lang="en-US" altLang="ja-JP" sz="2800" b="1" dirty="0">
+              <a:latin typeface="Hiragino Kaku Gothic Pro W6" panose="020B0300000000000000" pitchFamily="34" charset="-128"/>
+              <a:ea typeface="Hiragino Kaku Gothic Pro W6" panose="020B0300000000000000" pitchFamily="34" charset="-128"/>
+            </a:endParaRPr>
           </a:p>
         </p:txBody>
       </p:sp>
@@ -11637,22 +11776,37 @@
           <a:lstStyle/>
           <a:p>
             <a:r>
-              <a:rPr kumimoji="1" lang="en-US" altLang="ja-JP" sz="2800" dirty="0"/>
+              <a:rPr kumimoji="1" lang="en-US" altLang="ja-JP" sz="2800" b="1" dirty="0">
+                <a:latin typeface="Hiragino Kaku Gothic Pro W6" panose="020B0300000000000000" pitchFamily="34" charset="-128"/>
+                <a:ea typeface="Hiragino Kaku Gothic Pro W6" panose="020B0300000000000000" pitchFamily="34" charset="-128"/>
+              </a:rPr>
               <a:t>『</a:t>
             </a:r>
             <a:r>
-              <a:rPr kumimoji="1" lang="ja-JP" altLang="en-US" sz="3600" b="1"/>
+              <a:rPr kumimoji="1" lang="ja-JP" altLang="en-US" sz="3600" b="1">
+                <a:latin typeface="Hiragino Kaku Gothic Pro W6" panose="020B0300000000000000" pitchFamily="34" charset="-128"/>
+                <a:ea typeface="Hiragino Kaku Gothic Pro W6" panose="020B0300000000000000" pitchFamily="34" charset="-128"/>
+              </a:rPr>
               <a:t>大玉転がし大会</a:t>
             </a:r>
             <a:r>
-              <a:rPr kumimoji="1" lang="en-US" altLang="ja-JP" sz="2800" dirty="0"/>
+              <a:rPr kumimoji="1" lang="en-US" altLang="ja-JP" sz="2800" b="1" dirty="0">
+                <a:latin typeface="Hiragino Kaku Gothic Pro W6" panose="020B0300000000000000" pitchFamily="34" charset="-128"/>
+                <a:ea typeface="Hiragino Kaku Gothic Pro W6" panose="020B0300000000000000" pitchFamily="34" charset="-128"/>
+              </a:rPr>
               <a:t>』</a:t>
             </a:r>
             <a:r>
-              <a:rPr kumimoji="1" lang="ja-JP" altLang="en-US" sz="2800"/>
+              <a:rPr kumimoji="1" lang="ja-JP" altLang="en-US" sz="2800" b="1">
+                <a:latin typeface="Hiragino Kaku Gothic Pro W6" panose="020B0300000000000000" pitchFamily="34" charset="-128"/>
+                <a:ea typeface="Hiragino Kaku Gothic Pro W6" panose="020B0300000000000000" pitchFamily="34" charset="-128"/>
+              </a:rPr>
               <a:t>として考えてみる</a:t>
             </a:r>
-            <a:endParaRPr kumimoji="1" lang="en-US" altLang="ja-JP" sz="2800" dirty="0"/>
+            <a:endParaRPr kumimoji="1" lang="en-US" altLang="ja-JP" sz="2800" b="1" dirty="0">
+              <a:latin typeface="Hiragino Kaku Gothic Pro W6" panose="020B0300000000000000" pitchFamily="34" charset="-128"/>
+              <a:ea typeface="Hiragino Kaku Gothic Pro W6" panose="020B0300000000000000" pitchFamily="34" charset="-128"/>
+            </a:endParaRPr>
           </a:p>
         </p:txBody>
       </p:sp>
@@ -11669,7 +11823,7 @@
           <p:nvPr>
             <p:extLst>
               <p:ext uri="{D42A27DB-BD31-4B8C-83A1-F6EECF244321}">
-                <p14:modId xmlns:p14="http://schemas.microsoft.com/office/powerpoint/2010/main" val="2280265181"/>
+                <p14:modId xmlns:p14="http://schemas.microsoft.com/office/powerpoint/2010/main" val="706420232"/>
               </p:ext>
             </p:extLst>
           </p:nvPr>
@@ -11755,7 +11909,7 @@
           <p:nvPr>
             <p:extLst>
               <p:ext uri="{D42A27DB-BD31-4B8C-83A1-F6EECF244321}">
-                <p14:modId xmlns:p14="http://schemas.microsoft.com/office/powerpoint/2010/main" val="171694874"/>
+                <p14:modId xmlns:p14="http://schemas.microsoft.com/office/powerpoint/2010/main" val="3273150388"/>
               </p:ext>
             </p:extLst>
           </p:nvPr>
@@ -11785,7 +11939,7 @@
         <p:spPr>
           <a:xfrm>
             <a:off x="5491318" y="2849987"/>
-            <a:ext cx="6418745" cy="3108543"/>
+            <a:ext cx="6498895" cy="3108543"/>
           </a:xfrm>
           <a:prstGeom prst="rect">
             <a:avLst/>
@@ -11799,10 +11953,16 @@
           <a:lstStyle/>
           <a:p>
             <a:r>
-              <a:rPr kumimoji="1" lang="ja-JP" altLang="en-US" sz="2800"/>
+              <a:rPr kumimoji="1" lang="ja-JP" altLang="en-US" sz="2800" b="1">
+                <a:latin typeface="Hiragino Kaku Gothic Pro W6" panose="020B0300000000000000" pitchFamily="34" charset="-128"/>
+                <a:ea typeface="Hiragino Kaku Gothic Pro W6" panose="020B0300000000000000" pitchFamily="34" charset="-128"/>
+              </a:rPr>
               <a:t>本モデルに以下の情報を入力</a:t>
             </a:r>
-            <a:endParaRPr kumimoji="1" lang="en-US" altLang="ja-JP" sz="2800" dirty="0"/>
+            <a:endParaRPr kumimoji="1" lang="en-US" altLang="ja-JP" sz="2800" b="1" dirty="0">
+              <a:latin typeface="Hiragino Kaku Gothic Pro W6" panose="020B0300000000000000" pitchFamily="34" charset="-128"/>
+              <a:ea typeface="Hiragino Kaku Gothic Pro W6" panose="020B0300000000000000" pitchFamily="34" charset="-128"/>
+            </a:endParaRPr>
           </a:p>
           <a:p>
             <a:pPr marL="457200" indent="-457200">
@@ -11810,10 +11970,16 @@
               <a:buChar char="Ø"/>
             </a:pPr>
             <a:r>
-              <a:rPr kumimoji="1" lang="ja-JP" altLang="en-US" sz="2800"/>
+              <a:rPr kumimoji="1" lang="ja-JP" altLang="en-US" sz="2800" b="1">
+                <a:latin typeface="Hiragino Kaku Gothic Pro W6" panose="020B0300000000000000" pitchFamily="34" charset="-128"/>
+                <a:ea typeface="Hiragino Kaku Gothic Pro W6" panose="020B0300000000000000" pitchFamily="34" charset="-128"/>
+              </a:rPr>
               <a:t>チーム構成員人数</a:t>
             </a:r>
-            <a:endParaRPr kumimoji="1" lang="en-US" altLang="ja-JP" sz="2800" dirty="0"/>
+            <a:endParaRPr kumimoji="1" lang="en-US" altLang="ja-JP" sz="2800" b="1" dirty="0">
+              <a:latin typeface="Hiragino Kaku Gothic Pro W6" panose="020B0300000000000000" pitchFamily="34" charset="-128"/>
+              <a:ea typeface="Hiragino Kaku Gothic Pro W6" panose="020B0300000000000000" pitchFamily="34" charset="-128"/>
+            </a:endParaRPr>
           </a:p>
           <a:p>
             <a:pPr marL="457200" indent="-457200">
@@ -11821,14 +11987,23 @@
               <a:buChar char="Ø"/>
             </a:pPr>
             <a:r>
-              <a:rPr kumimoji="1" lang="en-US" altLang="ja-JP" sz="2800" dirty="0"/>
+              <a:rPr kumimoji="1" lang="en-US" altLang="ja-JP" sz="2800" b="1" dirty="0">
+                <a:latin typeface="Hiragino Kaku Gothic Pro W6" panose="020B0300000000000000" pitchFamily="34" charset="-128"/>
+                <a:ea typeface="Hiragino Kaku Gothic Pro W6" panose="020B0300000000000000" pitchFamily="34" charset="-128"/>
+              </a:rPr>
               <a:t>PJ</a:t>
             </a:r>
             <a:r>
-              <a:rPr kumimoji="1" lang="ja-JP" altLang="en-US" sz="2800"/>
+              <a:rPr kumimoji="1" lang="ja-JP" altLang="en-US" sz="2800" b="1">
+                <a:latin typeface="Hiragino Kaku Gothic Pro W6" panose="020B0300000000000000" pitchFamily="34" charset="-128"/>
+                <a:ea typeface="Hiragino Kaku Gothic Pro W6" panose="020B0300000000000000" pitchFamily="34" charset="-128"/>
+              </a:rPr>
               <a:t>全体の必要のべ工数</a:t>
             </a:r>
-            <a:endParaRPr kumimoji="1" lang="en-US" altLang="ja-JP" sz="2800" dirty="0"/>
+            <a:endParaRPr kumimoji="1" lang="en-US" altLang="ja-JP" sz="2800" b="1" dirty="0">
+              <a:latin typeface="Hiragino Kaku Gothic Pro W6" panose="020B0300000000000000" pitchFamily="34" charset="-128"/>
+              <a:ea typeface="Hiragino Kaku Gothic Pro W6" panose="020B0300000000000000" pitchFamily="34" charset="-128"/>
+            </a:endParaRPr>
           </a:p>
           <a:p>
             <a:pPr marL="457200" indent="-457200">
@@ -11836,38 +12011,62 @@
               <a:buChar char="Ø"/>
             </a:pPr>
             <a:r>
-              <a:rPr kumimoji="1" lang="en-US" altLang="ja-JP" sz="2800" dirty="0"/>
+              <a:rPr kumimoji="1" lang="en-US" altLang="ja-JP" sz="2800" b="1" dirty="0">
+                <a:latin typeface="Hiragino Kaku Gothic Pro W6" panose="020B0300000000000000" pitchFamily="34" charset="-128"/>
+                <a:ea typeface="Hiragino Kaku Gothic Pro W6" panose="020B0300000000000000" pitchFamily="34" charset="-128"/>
+              </a:rPr>
               <a:t>PJ</a:t>
             </a:r>
             <a:r>
-              <a:rPr kumimoji="1" lang="ja-JP" altLang="en-US" sz="2800"/>
+              <a:rPr kumimoji="1" lang="ja-JP" altLang="en-US" sz="2800" b="1">
+                <a:latin typeface="Hiragino Kaku Gothic Pro W6" panose="020B0300000000000000" pitchFamily="34" charset="-128"/>
+                <a:ea typeface="Hiragino Kaku Gothic Pro W6" panose="020B0300000000000000" pitchFamily="34" charset="-128"/>
+              </a:rPr>
               <a:t>の不確実性（方向見失い度合い）</a:t>
             </a:r>
-            <a:endParaRPr kumimoji="1" lang="en-US" altLang="ja-JP" sz="2800" dirty="0"/>
+            <a:endParaRPr kumimoji="1" lang="en-US" altLang="ja-JP" sz="2800" b="1" dirty="0">
+              <a:latin typeface="Hiragino Kaku Gothic Pro W6" panose="020B0300000000000000" pitchFamily="34" charset="-128"/>
+              <a:ea typeface="Hiragino Kaku Gothic Pro W6" panose="020B0300000000000000" pitchFamily="34" charset="-128"/>
+            </a:endParaRPr>
           </a:p>
           <a:p>
             <a:pPr marL="457200" indent="-457200">
               <a:buFont typeface="Wingdings" pitchFamily="2" charset="2"/>
               <a:buChar char="Ø"/>
             </a:pPr>
-            <a:endParaRPr kumimoji="1" lang="en-US" altLang="ja-JP" sz="2800" dirty="0"/>
+            <a:endParaRPr kumimoji="1" lang="en-US" altLang="ja-JP" sz="2800" b="1" dirty="0">
+              <a:latin typeface="Hiragino Kaku Gothic Pro W6" panose="020B0300000000000000" pitchFamily="34" charset="-128"/>
+              <a:ea typeface="Hiragino Kaku Gothic Pro W6" panose="020B0300000000000000" pitchFamily="34" charset="-128"/>
+            </a:endParaRPr>
           </a:p>
           <a:p>
             <a:r>
-              <a:rPr kumimoji="1" lang="ja-JP" altLang="en-US" sz="2800"/>
+              <a:rPr kumimoji="1" lang="ja-JP" altLang="en-US" sz="2800" b="1">
+                <a:latin typeface="Hiragino Kaku Gothic Pro W6" panose="020B0300000000000000" pitchFamily="34" charset="-128"/>
+                <a:ea typeface="Hiragino Kaku Gothic Pro W6" panose="020B0300000000000000" pitchFamily="34" charset="-128"/>
+              </a:rPr>
               <a:t>課題としては</a:t>
             </a:r>
             <a:r>
-              <a:rPr kumimoji="1" lang="en-US" altLang="ja-JP" sz="2800" dirty="0"/>
+              <a:rPr kumimoji="1" lang="en-US" altLang="ja-JP" sz="2800" b="1" dirty="0">
+                <a:latin typeface="Hiragino Kaku Gothic Pro W6" panose="020B0300000000000000" pitchFamily="34" charset="-128"/>
+                <a:ea typeface="Hiragino Kaku Gothic Pro W6" panose="020B0300000000000000" pitchFamily="34" charset="-128"/>
+              </a:rPr>
               <a:t>…</a:t>
             </a:r>
           </a:p>
           <a:p>
             <a:r>
-              <a:rPr kumimoji="1" lang="ja-JP" altLang="en-US" sz="2800"/>
+              <a:rPr kumimoji="1" lang="ja-JP" altLang="en-US" sz="2800" b="1">
+                <a:latin typeface="Hiragino Kaku Gothic Pro W6" panose="020B0300000000000000" pitchFamily="34" charset="-128"/>
+                <a:ea typeface="Hiragino Kaku Gothic Pro W6" panose="020B0300000000000000" pitchFamily="34" charset="-128"/>
+              </a:rPr>
               <a:t>必要工数や不確実性の見積りが難しい</a:t>
             </a:r>
-            <a:endParaRPr kumimoji="1" lang="en-US" altLang="ja-JP" sz="2800" dirty="0"/>
+            <a:endParaRPr kumimoji="1" lang="en-US" altLang="ja-JP" sz="2800" b="1" dirty="0">
+              <a:latin typeface="Hiragino Kaku Gothic Pro W6" panose="020B0300000000000000" pitchFamily="34" charset="-128"/>
+              <a:ea typeface="Hiragino Kaku Gothic Pro W6" panose="020B0300000000000000" pitchFamily="34" charset="-128"/>
+            </a:endParaRPr>
           </a:p>
         </p:txBody>
       </p:sp>
@@ -11875,6 +12074,275 @@
     <p:extLst>
       <p:ext uri="{BB962C8B-B14F-4D97-AF65-F5344CB8AC3E}">
         <p14:creationId xmlns:p14="http://schemas.microsoft.com/office/powerpoint/2010/main" val="2756037488"/>
+      </p:ext>
+    </p:extLst>
+  </p:cSld>
+  <p:clrMapOvr>
+    <a:masterClrMapping/>
+  </p:clrMapOvr>
+</p:sld>
+</file>
+
+<file path=ppt/slides/slide5.xml><?xml version="1.0" encoding="utf-8"?>
+<p:sld xmlns:a="http://schemas.openxmlformats.org/drawingml/2006/main" xmlns:r="http://schemas.openxmlformats.org/officeDocument/2006/relationships" xmlns:p="http://schemas.openxmlformats.org/presentationml/2006/main">
+  <p:cSld>
+    <p:spTree>
+      <p:nvGrpSpPr>
+        <p:cNvPr id="1" name=""/>
+        <p:cNvGrpSpPr/>
+        <p:nvPr/>
+      </p:nvGrpSpPr>
+      <p:grpSpPr>
+        <a:xfrm>
+          <a:off x="0" y="0"/>
+          <a:ext cx="0" cy="0"/>
+          <a:chOff x="0" y="0"/>
+          <a:chExt cx="0" cy="0"/>
+        </a:xfrm>
+      </p:grpSpPr>
+      <p:sp>
+        <p:nvSpPr>
+          <p:cNvPr id="2" name="タイトル 1">
+            <a:extLst>
+              <a:ext uri="{FF2B5EF4-FFF2-40B4-BE49-F238E27FC236}">
+                <a16:creationId xmlns:a16="http://schemas.microsoft.com/office/drawing/2014/main" id="{E4AB619D-12F8-364A-851D-BB75653FF726}"/>
+              </a:ext>
+            </a:extLst>
+          </p:cNvPr>
+          <p:cNvSpPr>
+            <a:spLocks noGrp="1"/>
+          </p:cNvSpPr>
+          <p:nvPr>
+            <p:ph type="title"/>
+          </p:nvPr>
+        </p:nvSpPr>
+        <p:spPr/>
+        <p:txBody>
+          <a:bodyPr/>
+          <a:lstStyle/>
+          <a:p>
+            <a:r>
+              <a:rPr kumimoji="1" lang="ja-JP" altLang="en-US"/>
+              <a:t>例えば５人チームなら</a:t>
+            </a:r>
+            <a:r>
+              <a:rPr kumimoji="1" lang="en-US" altLang="ja-JP" dirty="0"/>
+              <a:t>…</a:t>
+            </a:r>
+            <a:endParaRPr kumimoji="1" lang="ja-JP" altLang="en-US"/>
+          </a:p>
+        </p:txBody>
+      </p:sp>
+      <p:pic>
+        <p:nvPicPr>
+          <p:cNvPr id="5" name="コンテンツ プレースホルダー 4">
+            <a:extLst>
+              <a:ext uri="{FF2B5EF4-FFF2-40B4-BE49-F238E27FC236}">
+                <a16:creationId xmlns:a16="http://schemas.microsoft.com/office/drawing/2014/main" id="{BA840380-CC98-6444-A21B-5E9FB0BE1E27}"/>
+              </a:ext>
+            </a:extLst>
+          </p:cNvPr>
+          <p:cNvPicPr>
+            <a:picLocks noGrp="1" noChangeAspect="1"/>
+          </p:cNvPicPr>
+          <p:nvPr>
+            <p:ph idx="1"/>
+          </p:nvPr>
+        </p:nvPicPr>
+        <p:blipFill>
+          <a:blip r:embed="rId2"/>
+          <a:stretch>
+            <a:fillRect/>
+          </a:stretch>
+        </p:blipFill>
+        <p:spPr>
+          <a:xfrm>
+            <a:off x="242358" y="2588375"/>
+            <a:ext cx="4849284" cy="3636963"/>
+          </a:xfrm>
+        </p:spPr>
+      </p:pic>
+      <p:sp>
+        <p:nvSpPr>
+          <p:cNvPr id="7" name="テキスト ボックス 6">
+            <a:extLst>
+              <a:ext uri="{FF2B5EF4-FFF2-40B4-BE49-F238E27FC236}">
+                <a16:creationId xmlns:a16="http://schemas.microsoft.com/office/drawing/2014/main" id="{A7D838F8-6EF7-194C-A583-51A661888A36}"/>
+              </a:ext>
+            </a:extLst>
+          </p:cNvPr>
+          <p:cNvSpPr txBox="1"/>
+          <p:nvPr/>
+        </p:nvSpPr>
+        <p:spPr>
+          <a:xfrm>
+            <a:off x="5356847" y="2637141"/>
+            <a:ext cx="6522940" cy="3539430"/>
+          </a:xfrm>
+          <a:prstGeom prst="rect">
+            <a:avLst/>
+          </a:prstGeom>
+          <a:noFill/>
+        </p:spPr>
+        <p:txBody>
+          <a:bodyPr wrap="none" rtlCol="0">
+            <a:spAutoFit/>
+          </a:bodyPr>
+          <a:lstStyle/>
+          <a:p>
+            <a:r>
+              <a:rPr kumimoji="1" lang="en-US" altLang="ja-JP" sz="2800" b="1" dirty="0">
+                <a:latin typeface="Hiragino Kaku Gothic Pro W6" panose="020B0300000000000000" pitchFamily="34" charset="-128"/>
+                <a:ea typeface="Hiragino Kaku Gothic Pro W6" panose="020B0300000000000000" pitchFamily="34" charset="-128"/>
+              </a:rPr>
+              <a:t>MTG:N </a:t>
+            </a:r>
+            <a:r>
+              <a:rPr kumimoji="1" lang="ja-JP" altLang="en-US" sz="2800" b="1">
+                <a:ea typeface="Hiragino Kaku Gothic Pro W6" panose="020B0300000000000000" pitchFamily="34" charset="-128"/>
+              </a:rPr>
+              <a:t>（</a:t>
+            </a:r>
+            <a:r>
+              <a:rPr kumimoji="1" lang="en-US" altLang="ja-JP" sz="2800" b="1" dirty="0">
+                <a:ea typeface="Hiragino Kaku Gothic Pro W6" panose="020B0300000000000000" pitchFamily="34" charset="-128"/>
+              </a:rPr>
+              <a:t>N</a:t>
+            </a:r>
+            <a:r>
+              <a:rPr kumimoji="1" lang="ja-JP" altLang="en-US" sz="2800" b="1">
+                <a:ea typeface="Hiragino Kaku Gothic Pro W6" panose="020B0300000000000000" pitchFamily="34" charset="-128"/>
+              </a:rPr>
+              <a:t>ターンに１回会議を開く）</a:t>
+            </a:r>
+            <a:endParaRPr kumimoji="1" lang="en-US" altLang="ja-JP" sz="2800" b="1" dirty="0">
+              <a:ea typeface="Hiragino Kaku Gothic Pro W6" panose="020B0300000000000000" pitchFamily="34" charset="-128"/>
+            </a:endParaRPr>
+          </a:p>
+          <a:p>
+            <a:endParaRPr kumimoji="1" lang="en-US" altLang="ja-JP" sz="2800" b="1" dirty="0">
+              <a:ea typeface="Hiragino Kaku Gothic Pro W6" panose="020B0300000000000000" pitchFamily="34" charset="-128"/>
+            </a:endParaRPr>
+          </a:p>
+          <a:p>
+            <a:r>
+              <a:rPr kumimoji="1" lang="ja-JP" altLang="en-US" sz="2800" b="1">
+                <a:latin typeface="Hiragino Kaku Gothic Pro W6" panose="020B0300000000000000" pitchFamily="34" charset="-128"/>
+                <a:ea typeface="Hiragino Kaku Gothic Pro W6" panose="020B0300000000000000" pitchFamily="34" charset="-128"/>
+              </a:rPr>
+              <a:t>左図は、</a:t>
+            </a:r>
+            <a:r>
+              <a:rPr kumimoji="1" lang="en-US" altLang="ja-JP" sz="2800" b="1" dirty="0">
+                <a:latin typeface="Hiragino Kaku Gothic Pro W6" panose="020B0300000000000000" pitchFamily="34" charset="-128"/>
+                <a:ea typeface="Hiragino Kaku Gothic Pro W6" panose="020B0300000000000000" pitchFamily="34" charset="-128"/>
+              </a:rPr>
+              <a:t>MTG:5</a:t>
+            </a:r>
+            <a:r>
+              <a:rPr kumimoji="1" lang="ja-JP" altLang="en-US" sz="2800" b="1">
+                <a:latin typeface="Hiragino Kaku Gothic Pro W6" panose="020B0300000000000000" pitchFamily="34" charset="-128"/>
+                <a:ea typeface="Hiragino Kaku Gothic Pro W6" panose="020B0300000000000000" pitchFamily="34" charset="-128"/>
+              </a:rPr>
+              <a:t>と</a:t>
+            </a:r>
+            <a:r>
+              <a:rPr kumimoji="1" lang="en-US" altLang="ja-JP" sz="2800" b="1" dirty="0">
+                <a:latin typeface="Hiragino Kaku Gothic Pro W6" panose="020B0300000000000000" pitchFamily="34" charset="-128"/>
+                <a:ea typeface="Hiragino Kaku Gothic Pro W6" panose="020B0300000000000000" pitchFamily="34" charset="-128"/>
+              </a:rPr>
+              <a:t>MTG:20</a:t>
+            </a:r>
+            <a:r>
+              <a:rPr kumimoji="1" lang="ja-JP" altLang="en-US" sz="2800" b="1">
+                <a:latin typeface="Hiragino Kaku Gothic Pro W6" panose="020B0300000000000000" pitchFamily="34" charset="-128"/>
+                <a:ea typeface="Hiragino Kaku Gothic Pro W6" panose="020B0300000000000000" pitchFamily="34" charset="-128"/>
+              </a:rPr>
+              <a:t>の比較</a:t>
+            </a:r>
+            <a:endParaRPr kumimoji="1" lang="en-US" altLang="ja-JP" sz="2800" b="1" dirty="0">
+              <a:latin typeface="Hiragino Kaku Gothic Pro W6" panose="020B0300000000000000" pitchFamily="34" charset="-128"/>
+              <a:ea typeface="Hiragino Kaku Gothic Pro W6" panose="020B0300000000000000" pitchFamily="34" charset="-128"/>
+            </a:endParaRPr>
+          </a:p>
+          <a:p>
+            <a:endParaRPr kumimoji="1" lang="en-US" altLang="ja-JP" sz="2800" b="1" dirty="0">
+              <a:latin typeface="Hiragino Kaku Gothic Pro W6" panose="020B0300000000000000" pitchFamily="34" charset="-128"/>
+              <a:ea typeface="Hiragino Kaku Gothic Pro W6" panose="020B0300000000000000" pitchFamily="34" charset="-128"/>
+            </a:endParaRPr>
+          </a:p>
+          <a:p>
+            <a:r>
+              <a:rPr kumimoji="1" lang="ja-JP" altLang="en-US" sz="2800" b="1" u="sng">
+                <a:latin typeface="Hiragino Kaku Gothic Pro W6" panose="020B0300000000000000" pitchFamily="34" charset="-128"/>
+                <a:ea typeface="Hiragino Kaku Gothic Pro W6" panose="020B0300000000000000" pitchFamily="34" charset="-128"/>
+              </a:rPr>
+              <a:t>会議を少なくすると？</a:t>
+            </a:r>
+            <a:endParaRPr kumimoji="1" lang="en-US" altLang="ja-JP" sz="2800" b="1" u="sng" dirty="0">
+              <a:latin typeface="Hiragino Kaku Gothic Pro W6" panose="020B0300000000000000" pitchFamily="34" charset="-128"/>
+              <a:ea typeface="Hiragino Kaku Gothic Pro W6" panose="020B0300000000000000" pitchFamily="34" charset="-128"/>
+            </a:endParaRPr>
+          </a:p>
+          <a:p>
+            <a:r>
+              <a:rPr kumimoji="1" lang="ja-JP" altLang="en-US" sz="2800" b="1">
+                <a:latin typeface="Hiragino Kaku Gothic Pro W6" panose="020B0300000000000000" pitchFamily="34" charset="-128"/>
+                <a:ea typeface="Hiragino Kaku Gothic Pro W6" panose="020B0300000000000000" pitchFamily="34" charset="-128"/>
+              </a:rPr>
+              <a:t>・早く終る可能性がある</a:t>
+            </a:r>
+            <a:endParaRPr kumimoji="1" lang="en-US" altLang="ja-JP" sz="2800" b="1" dirty="0">
+              <a:latin typeface="Hiragino Kaku Gothic Pro W6" panose="020B0300000000000000" pitchFamily="34" charset="-128"/>
+              <a:ea typeface="Hiragino Kaku Gothic Pro W6" panose="020B0300000000000000" pitchFamily="34" charset="-128"/>
+            </a:endParaRPr>
+          </a:p>
+          <a:p>
+            <a:r>
+              <a:rPr kumimoji="1" lang="ja-JP" altLang="en-US" sz="2800" b="1">
+                <a:latin typeface="Hiragino Kaku Gothic Pro W6" panose="020B0300000000000000" pitchFamily="34" charset="-128"/>
+                <a:ea typeface="Hiragino Kaku Gothic Pro W6" panose="020B0300000000000000" pitchFamily="34" charset="-128"/>
+              </a:rPr>
+              <a:t>・しかし、迷走して</a:t>
+            </a:r>
+            <a:r>
+              <a:rPr kumimoji="1" lang="en-US" altLang="ja-JP" sz="2800" b="1" dirty="0">
+                <a:latin typeface="Hiragino Kaku Gothic Pro W6" panose="020B0300000000000000" pitchFamily="34" charset="-128"/>
+                <a:ea typeface="Hiragino Kaku Gothic Pro W6" panose="020B0300000000000000" pitchFamily="34" charset="-128"/>
+              </a:rPr>
+              <a:t>40</a:t>
+            </a:r>
+            <a:r>
+              <a:rPr kumimoji="1" lang="ja-JP" altLang="en-US" sz="2800" b="1">
+                <a:latin typeface="Hiragino Kaku Gothic Pro W6" panose="020B0300000000000000" pitchFamily="34" charset="-128"/>
+                <a:ea typeface="Hiragino Kaku Gothic Pro W6" panose="020B0300000000000000" pitchFamily="34" charset="-128"/>
+              </a:rPr>
+              <a:t>ターン以上</a:t>
+            </a:r>
+            <a:endParaRPr kumimoji="1" lang="en-US" altLang="ja-JP" sz="2800" b="1" dirty="0">
+              <a:latin typeface="Hiragino Kaku Gothic Pro W6" panose="020B0300000000000000" pitchFamily="34" charset="-128"/>
+              <a:ea typeface="Hiragino Kaku Gothic Pro W6" panose="020B0300000000000000" pitchFamily="34" charset="-128"/>
+            </a:endParaRPr>
+          </a:p>
+          <a:p>
+            <a:r>
+              <a:rPr kumimoji="1" lang="ja-JP" altLang="en-US" sz="2800" b="1">
+                <a:latin typeface="Hiragino Kaku Gothic Pro W6" panose="020B0300000000000000" pitchFamily="34" charset="-128"/>
+                <a:ea typeface="Hiragino Kaku Gothic Pro W6" panose="020B0300000000000000" pitchFamily="34" charset="-128"/>
+              </a:rPr>
+              <a:t>　かかる危険性が高い</a:t>
+            </a:r>
+            <a:endParaRPr kumimoji="1" lang="en-US" altLang="ja-JP" sz="2800" b="1" dirty="0">
+              <a:latin typeface="Hiragino Kaku Gothic Pro W6" panose="020B0300000000000000" pitchFamily="34" charset="-128"/>
+              <a:ea typeface="Hiragino Kaku Gothic Pro W6" panose="020B0300000000000000" pitchFamily="34" charset="-128"/>
+            </a:endParaRPr>
+          </a:p>
+        </p:txBody>
+      </p:sp>
+    </p:spTree>
+    <p:extLst>
+      <p:ext uri="{BB962C8B-B14F-4D97-AF65-F5344CB8AC3E}">
+        <p14:creationId xmlns:p14="http://schemas.microsoft.com/office/powerpoint/2010/main" val="2955748946"/>
       </p:ext>
     </p:extLst>
   </p:cSld>

--- a/TeamProgressSimulation.pptx
+++ b/TeamProgressSimulation.pptx
@@ -1,9 +1,12 @@
 
 <file path=ppt/presentation.xml><?xml version="1.0" encoding="utf-8"?>
-<p:presentation xmlns:a="http://schemas.openxmlformats.org/drawingml/2006/main" xmlns:r="http://schemas.openxmlformats.org/officeDocument/2006/relationships" xmlns:p="http://schemas.openxmlformats.org/presentationml/2006/main" autoCompressPictures="0">
+<p:presentation xmlns:a="http://schemas.openxmlformats.org/drawingml/2006/main" xmlns:r="http://schemas.openxmlformats.org/officeDocument/2006/relationships" xmlns:p="http://schemas.openxmlformats.org/presentationml/2006/main" showSpecialPlsOnTitleSld="0" autoCompressPictures="0">
   <p:sldMasterIdLst>
     <p:sldMasterId id="2147483648" r:id="rId1"/>
   </p:sldMasterIdLst>
+  <p:notesMasterIdLst>
+    <p:notesMasterId r:id="rId7"/>
+  </p:notesMasterIdLst>
   <p:sldIdLst>
     <p:sldId id="256" r:id="rId2"/>
     <p:sldId id="258" r:id="rId3"/>
@@ -125,6 +128,246 @@
     </p:ext>
   </p:extLst>
 </p:presentation>
+</file>
+
+<file path=ppt/changesInfos/changesInfo1.xml><?xml version="1.0" encoding="utf-8"?>
+<pc:chgInfo xmlns:a="http://schemas.openxmlformats.org/drawingml/2006/main" xmlns:r="http://schemas.openxmlformats.org/officeDocument/2006/relationships" xmlns:ac="http://schemas.microsoft.com/office/drawing/2013/main/command" xmlns:pc="http://schemas.microsoft.com/office/powerpoint/2013/main/command">
+  <pc:docChgLst>
+    <pc:chgData name="habata sho" userId="0bb5efb2323ee109" providerId="LiveId" clId="{4CE08A23-173D-F640-80FC-0D60E3AD6C2A}"/>
+    <pc:docChg chg="modSld modMainMaster">
+      <pc:chgData name="habata sho" userId="0bb5efb2323ee109" providerId="LiveId" clId="{4CE08A23-173D-F640-80FC-0D60E3AD6C2A}" dt="2019-11-17T10:05:19.227" v="46"/>
+      <pc:docMkLst>
+        <pc:docMk/>
+      </pc:docMkLst>
+      <pc:sldChg chg="modTransition">
+        <pc:chgData name="habata sho" userId="0bb5efb2323ee109" providerId="LiveId" clId="{4CE08A23-173D-F640-80FC-0D60E3AD6C2A}" dt="2019-11-02T04:20:50.641" v="8"/>
+        <pc:sldMkLst>
+          <pc:docMk/>
+          <pc:sldMk cId="2722138690" sldId="256"/>
+        </pc:sldMkLst>
+      </pc:sldChg>
+      <pc:sldChg chg="addSp delSp modSp modTransition">
+        <pc:chgData name="habata sho" userId="0bb5efb2323ee109" providerId="LiveId" clId="{4CE08A23-173D-F640-80FC-0D60E3AD6C2A}" dt="2019-11-17T10:04:40.828" v="40"/>
+        <pc:sldMkLst>
+          <pc:docMk/>
+          <pc:sldMk cId="1408667724" sldId="257"/>
+        </pc:sldMkLst>
+        <pc:spChg chg="add mod">
+          <ac:chgData name="habata sho" userId="0bb5efb2323ee109" providerId="LiveId" clId="{4CE08A23-173D-F640-80FC-0D60E3AD6C2A}" dt="2019-11-17T10:02:21.790" v="10"/>
+          <ac:spMkLst>
+            <pc:docMk/>
+            <pc:sldMk cId="1408667724" sldId="257"/>
+            <ac:spMk id="6" creationId="{828BA8C7-6047-9547-A0B0-5147BFCF6946}"/>
+          </ac:spMkLst>
+        </pc:spChg>
+        <pc:spChg chg="add del mod">
+          <ac:chgData name="habata sho" userId="0bb5efb2323ee109" providerId="LiveId" clId="{4CE08A23-173D-F640-80FC-0D60E3AD6C2A}" dt="2019-11-17T10:04:40.828" v="40"/>
+          <ac:spMkLst>
+            <pc:docMk/>
+            <pc:sldMk cId="1408667724" sldId="257"/>
+            <ac:spMk id="7" creationId="{5945BFB4-C275-7A47-81B8-027383AFF851}"/>
+          </ac:spMkLst>
+        </pc:spChg>
+        <pc:spChg chg="add mod">
+          <ac:chgData name="habata sho" userId="0bb5efb2323ee109" providerId="LiveId" clId="{4CE08A23-173D-F640-80FC-0D60E3AD6C2A}" dt="2019-11-17T10:04:37.735" v="38" actId="20577"/>
+          <ac:spMkLst>
+            <pc:docMk/>
+            <pc:sldMk cId="1408667724" sldId="257"/>
+            <ac:spMk id="8" creationId="{B0B1CD39-FF3B-4E49-8BB0-8622D611201A}"/>
+          </ac:spMkLst>
+        </pc:spChg>
+      </pc:sldChg>
+      <pc:sldChg chg="addSp modSp modTransition">
+        <pc:chgData name="habata sho" userId="0bb5efb2323ee109" providerId="LiveId" clId="{4CE08A23-173D-F640-80FC-0D60E3AD6C2A}" dt="2019-11-17T10:02:21.790" v="10"/>
+        <pc:sldMkLst>
+          <pc:docMk/>
+          <pc:sldMk cId="233085792" sldId="258"/>
+        </pc:sldMkLst>
+        <pc:spChg chg="add mod">
+          <ac:chgData name="habata sho" userId="0bb5efb2323ee109" providerId="LiveId" clId="{4CE08A23-173D-F640-80FC-0D60E3AD6C2A}" dt="2019-11-17T10:02:21.790" v="10"/>
+          <ac:spMkLst>
+            <pc:docMk/>
+            <pc:sldMk cId="233085792" sldId="258"/>
+            <ac:spMk id="4" creationId="{4306B2E9-F119-D54E-86C5-497C16BC9F77}"/>
+          </ac:spMkLst>
+        </pc:spChg>
+      </pc:sldChg>
+      <pc:sldChg chg="addSp modSp modTransition">
+        <pc:chgData name="habata sho" userId="0bb5efb2323ee109" providerId="LiveId" clId="{4CE08A23-173D-F640-80FC-0D60E3AD6C2A}" dt="2019-11-17T10:02:21.790" v="10"/>
+        <pc:sldMkLst>
+          <pc:docMk/>
+          <pc:sldMk cId="2756037488" sldId="259"/>
+        </pc:sldMkLst>
+        <pc:spChg chg="add mod">
+          <ac:chgData name="habata sho" userId="0bb5efb2323ee109" providerId="LiveId" clId="{4CE08A23-173D-F640-80FC-0D60E3AD6C2A}" dt="2019-11-17T10:02:21.790" v="10"/>
+          <ac:spMkLst>
+            <pc:docMk/>
+            <pc:sldMk cId="2756037488" sldId="259"/>
+            <ac:spMk id="3" creationId="{B57DF693-A867-3544-BFBA-5C6F7747137B}"/>
+          </ac:spMkLst>
+        </pc:spChg>
+        <pc:spChg chg="mod">
+          <ac:chgData name="habata sho" userId="0bb5efb2323ee109" providerId="LiveId" clId="{4CE08A23-173D-F640-80FC-0D60E3AD6C2A}" dt="2019-11-17T10:01:46.478" v="9" actId="115"/>
+          <ac:spMkLst>
+            <pc:docMk/>
+            <pc:sldMk cId="2756037488" sldId="259"/>
+            <ac:spMk id="9" creationId="{604B37A4-E6CB-7945-AEE0-17FFC2671B64}"/>
+          </ac:spMkLst>
+        </pc:spChg>
+      </pc:sldChg>
+      <pc:sldChg chg="addSp delSp modSp modTransition">
+        <pc:chgData name="habata sho" userId="0bb5efb2323ee109" providerId="LiveId" clId="{4CE08A23-173D-F640-80FC-0D60E3AD6C2A}" dt="2019-11-17T10:05:19.227" v="46"/>
+        <pc:sldMkLst>
+          <pc:docMk/>
+          <pc:sldMk cId="2955748946" sldId="260"/>
+        </pc:sldMkLst>
+        <pc:spChg chg="add mod">
+          <ac:chgData name="habata sho" userId="0bb5efb2323ee109" providerId="LiveId" clId="{4CE08A23-173D-F640-80FC-0D60E3AD6C2A}" dt="2019-11-17T10:02:21.790" v="10"/>
+          <ac:spMkLst>
+            <pc:docMk/>
+            <pc:sldMk cId="2955748946" sldId="260"/>
+            <ac:spMk id="3" creationId="{BA1929A3-786D-3C42-8931-F75FCD0D8FC4}"/>
+          </ac:spMkLst>
+        </pc:spChg>
+        <pc:spChg chg="add del mod">
+          <ac:chgData name="habata sho" userId="0bb5efb2323ee109" providerId="LiveId" clId="{4CE08A23-173D-F640-80FC-0D60E3AD6C2A}" dt="2019-11-17T10:05:12.971" v="45"/>
+          <ac:spMkLst>
+            <pc:docMk/>
+            <pc:sldMk cId="2955748946" sldId="260"/>
+            <ac:spMk id="4" creationId="{02AF3ED9-A228-0047-A967-AF8C90B9D0FF}"/>
+          </ac:spMkLst>
+        </pc:spChg>
+        <pc:spChg chg="add mod">
+          <ac:chgData name="habata sho" userId="0bb5efb2323ee109" providerId="LiveId" clId="{4CE08A23-173D-F640-80FC-0D60E3AD6C2A}" dt="2019-11-17T10:05:19.227" v="46"/>
+          <ac:spMkLst>
+            <pc:docMk/>
+            <pc:sldMk cId="2955748946" sldId="260"/>
+            <ac:spMk id="6" creationId="{AA8F5645-C0AA-B74B-8ADB-DCE414A0839F}"/>
+          </ac:spMkLst>
+        </pc:spChg>
+      </pc:sldChg>
+      <pc:sldMasterChg chg="modTransition modSldLayout">
+        <pc:chgData name="habata sho" userId="0bb5efb2323ee109" providerId="LiveId" clId="{4CE08A23-173D-F640-80FC-0D60E3AD6C2A}" dt="2019-11-02T04:20:50.641" v="8"/>
+        <pc:sldMasterMkLst>
+          <pc:docMk/>
+          <pc:sldMasterMk cId="0" sldId="2147483648"/>
+        </pc:sldMasterMkLst>
+        <pc:sldLayoutChg chg="modTransition">
+          <pc:chgData name="habata sho" userId="0bb5efb2323ee109" providerId="LiveId" clId="{4CE08A23-173D-F640-80FC-0D60E3AD6C2A}" dt="2019-11-02T04:20:50.641" v="8"/>
+          <pc:sldLayoutMkLst>
+            <pc:docMk/>
+            <pc:sldMasterMk cId="0" sldId="2147483648"/>
+            <pc:sldLayoutMk cId="0" sldId="2147483649"/>
+          </pc:sldLayoutMkLst>
+        </pc:sldLayoutChg>
+        <pc:sldLayoutChg chg="modTransition">
+          <pc:chgData name="habata sho" userId="0bb5efb2323ee109" providerId="LiveId" clId="{4CE08A23-173D-F640-80FC-0D60E3AD6C2A}" dt="2019-11-02T04:20:50.641" v="8"/>
+          <pc:sldLayoutMkLst>
+            <pc:docMk/>
+            <pc:sldMasterMk cId="0" sldId="2147483648"/>
+            <pc:sldLayoutMk cId="0" sldId="2147483650"/>
+          </pc:sldLayoutMkLst>
+        </pc:sldLayoutChg>
+        <pc:sldLayoutChg chg="modTransition">
+          <pc:chgData name="habata sho" userId="0bb5efb2323ee109" providerId="LiveId" clId="{4CE08A23-173D-F640-80FC-0D60E3AD6C2A}" dt="2019-11-02T04:20:50.641" v="8"/>
+          <pc:sldLayoutMkLst>
+            <pc:docMk/>
+            <pc:sldMasterMk cId="0" sldId="2147483648"/>
+            <pc:sldLayoutMk cId="0" sldId="2147483651"/>
+          </pc:sldLayoutMkLst>
+        </pc:sldLayoutChg>
+        <pc:sldLayoutChg chg="modTransition">
+          <pc:chgData name="habata sho" userId="0bb5efb2323ee109" providerId="LiveId" clId="{4CE08A23-173D-F640-80FC-0D60E3AD6C2A}" dt="2019-11-02T04:20:50.641" v="8"/>
+          <pc:sldLayoutMkLst>
+            <pc:docMk/>
+            <pc:sldMasterMk cId="0" sldId="2147483648"/>
+            <pc:sldLayoutMk cId="0" sldId="2147483652"/>
+          </pc:sldLayoutMkLst>
+        </pc:sldLayoutChg>
+        <pc:sldLayoutChg chg="modTransition">
+          <pc:chgData name="habata sho" userId="0bb5efb2323ee109" providerId="LiveId" clId="{4CE08A23-173D-F640-80FC-0D60E3AD6C2A}" dt="2019-11-02T04:20:50.641" v="8"/>
+          <pc:sldLayoutMkLst>
+            <pc:docMk/>
+            <pc:sldMasterMk cId="0" sldId="2147483648"/>
+            <pc:sldLayoutMk cId="0" sldId="2147483653"/>
+          </pc:sldLayoutMkLst>
+        </pc:sldLayoutChg>
+        <pc:sldLayoutChg chg="modTransition">
+          <pc:chgData name="habata sho" userId="0bb5efb2323ee109" providerId="LiveId" clId="{4CE08A23-173D-F640-80FC-0D60E3AD6C2A}" dt="2019-11-02T04:20:50.641" v="8"/>
+          <pc:sldLayoutMkLst>
+            <pc:docMk/>
+            <pc:sldMasterMk cId="0" sldId="2147483648"/>
+            <pc:sldLayoutMk cId="0" sldId="2147483654"/>
+          </pc:sldLayoutMkLst>
+        </pc:sldLayoutChg>
+        <pc:sldLayoutChg chg="modTransition">
+          <pc:chgData name="habata sho" userId="0bb5efb2323ee109" providerId="LiveId" clId="{4CE08A23-173D-F640-80FC-0D60E3AD6C2A}" dt="2019-11-02T04:20:50.641" v="8"/>
+          <pc:sldLayoutMkLst>
+            <pc:docMk/>
+            <pc:sldMasterMk cId="0" sldId="2147483648"/>
+            <pc:sldLayoutMk cId="0" sldId="2147483655"/>
+          </pc:sldLayoutMkLst>
+        </pc:sldLayoutChg>
+        <pc:sldLayoutChg chg="modTransition">
+          <pc:chgData name="habata sho" userId="0bb5efb2323ee109" providerId="LiveId" clId="{4CE08A23-173D-F640-80FC-0D60E3AD6C2A}" dt="2019-11-02T04:20:50.641" v="8"/>
+          <pc:sldLayoutMkLst>
+            <pc:docMk/>
+            <pc:sldMasterMk cId="0" sldId="2147483648"/>
+            <pc:sldLayoutMk cId="0" sldId="2147483656"/>
+          </pc:sldLayoutMkLst>
+        </pc:sldLayoutChg>
+        <pc:sldLayoutChg chg="modTransition">
+          <pc:chgData name="habata sho" userId="0bb5efb2323ee109" providerId="LiveId" clId="{4CE08A23-173D-F640-80FC-0D60E3AD6C2A}" dt="2019-11-02T04:20:50.641" v="8"/>
+          <pc:sldLayoutMkLst>
+            <pc:docMk/>
+            <pc:sldMasterMk cId="0" sldId="2147483648"/>
+            <pc:sldLayoutMk cId="0" sldId="2147483657"/>
+          </pc:sldLayoutMkLst>
+        </pc:sldLayoutChg>
+        <pc:sldLayoutChg chg="modTransition">
+          <pc:chgData name="habata sho" userId="0bb5efb2323ee109" providerId="LiveId" clId="{4CE08A23-173D-F640-80FC-0D60E3AD6C2A}" dt="2019-11-02T04:20:50.641" v="8"/>
+          <pc:sldLayoutMkLst>
+            <pc:docMk/>
+            <pc:sldMasterMk cId="0" sldId="2147483648"/>
+            <pc:sldLayoutMk cId="0" sldId="2147483658"/>
+          </pc:sldLayoutMkLst>
+        </pc:sldLayoutChg>
+        <pc:sldLayoutChg chg="modTransition">
+          <pc:chgData name="habata sho" userId="0bb5efb2323ee109" providerId="LiveId" clId="{4CE08A23-173D-F640-80FC-0D60E3AD6C2A}" dt="2019-11-02T04:20:50.641" v="8"/>
+          <pc:sldLayoutMkLst>
+            <pc:docMk/>
+            <pc:sldMasterMk cId="0" sldId="2147483648"/>
+            <pc:sldLayoutMk cId="0" sldId="2147483659"/>
+          </pc:sldLayoutMkLst>
+        </pc:sldLayoutChg>
+        <pc:sldLayoutChg chg="modTransition">
+          <pc:chgData name="habata sho" userId="0bb5efb2323ee109" providerId="LiveId" clId="{4CE08A23-173D-F640-80FC-0D60E3AD6C2A}" dt="2019-11-02T04:20:50.641" v="8"/>
+          <pc:sldLayoutMkLst>
+            <pc:docMk/>
+            <pc:sldMasterMk cId="0" sldId="2147483648"/>
+            <pc:sldLayoutMk cId="0" sldId="2147483661"/>
+          </pc:sldLayoutMkLst>
+        </pc:sldLayoutChg>
+        <pc:sldLayoutChg chg="modTransition">
+          <pc:chgData name="habata sho" userId="0bb5efb2323ee109" providerId="LiveId" clId="{4CE08A23-173D-F640-80FC-0D60E3AD6C2A}" dt="2019-11-02T04:20:50.641" v="8"/>
+          <pc:sldLayoutMkLst>
+            <pc:docMk/>
+            <pc:sldMasterMk cId="0" sldId="2147483648"/>
+            <pc:sldLayoutMk cId="0" sldId="2147483663"/>
+          </pc:sldLayoutMkLst>
+        </pc:sldLayoutChg>
+        <pc:sldLayoutChg chg="modTransition">
+          <pc:chgData name="habata sho" userId="0bb5efb2323ee109" providerId="LiveId" clId="{4CE08A23-173D-F640-80FC-0D60E3AD6C2A}" dt="2019-11-02T04:20:50.641" v="8"/>
+          <pc:sldLayoutMkLst>
+            <pc:docMk/>
+            <pc:sldMasterMk cId="0" sldId="2147483648"/>
+            <pc:sldLayoutMk cId="0" sldId="2147483666"/>
+          </pc:sldLayoutMkLst>
+        </pc:sldLayoutChg>
+      </pc:sldMasterChg>
+    </pc:docChg>
+  </pc:docChgLst>
+</pc:chgInfo>
 </file>
 
 <file path=ppt/diagrams/colors1.xml><?xml version="1.0" encoding="utf-8"?>
@@ -5680,6 +5923,362 @@
 </dgm:styleDef>
 </file>
 
+<file path=ppt/notesMasters/notesMaster1.xml><?xml version="1.0" encoding="utf-8"?>
+<p:notesMaster xmlns:a="http://schemas.openxmlformats.org/drawingml/2006/main" xmlns:r="http://schemas.openxmlformats.org/officeDocument/2006/relationships" xmlns:p="http://schemas.openxmlformats.org/presentationml/2006/main">
+  <p:cSld>
+    <p:bg>
+      <p:bgRef idx="1001">
+        <a:schemeClr val="bg1"/>
+      </p:bgRef>
+    </p:bg>
+    <p:spTree>
+      <p:nvGrpSpPr>
+        <p:cNvPr id="1" name=""/>
+        <p:cNvGrpSpPr/>
+        <p:nvPr/>
+      </p:nvGrpSpPr>
+      <p:grpSpPr>
+        <a:xfrm>
+          <a:off x="0" y="0"/>
+          <a:ext cx="0" cy="0"/>
+          <a:chOff x="0" y="0"/>
+          <a:chExt cx="0" cy="0"/>
+        </a:xfrm>
+      </p:grpSpPr>
+      <p:sp>
+        <p:nvSpPr>
+          <p:cNvPr id="2" name="ヘッダー プレースホルダー 1"/>
+          <p:cNvSpPr>
+            <a:spLocks noGrp="1"/>
+          </p:cNvSpPr>
+          <p:nvPr>
+            <p:ph type="hdr" sz="quarter"/>
+          </p:nvPr>
+        </p:nvSpPr>
+        <p:spPr>
+          <a:xfrm>
+            <a:off x="0" y="0"/>
+            <a:ext cx="2971800" cy="458788"/>
+          </a:xfrm>
+          <a:prstGeom prst="rect">
+            <a:avLst/>
+          </a:prstGeom>
+        </p:spPr>
+        <p:txBody>
+          <a:bodyPr vert="horz" lIns="91440" tIns="45720" rIns="91440" bIns="45720" rtlCol="0"/>
+          <a:lstStyle>
+            <a:lvl1pPr algn="l">
+              <a:defRPr sz="1200"/>
+            </a:lvl1pPr>
+          </a:lstStyle>
+          <a:p>
+            <a:endParaRPr kumimoji="1" lang="ja-JP" altLang="en-US"/>
+          </a:p>
+        </p:txBody>
+      </p:sp>
+      <p:sp>
+        <p:nvSpPr>
+          <p:cNvPr id="3" name="日付プレースホルダー 2"/>
+          <p:cNvSpPr>
+            <a:spLocks noGrp="1"/>
+          </p:cNvSpPr>
+          <p:nvPr>
+            <p:ph type="dt" idx="1"/>
+          </p:nvPr>
+        </p:nvSpPr>
+        <p:spPr>
+          <a:xfrm>
+            <a:off x="3884613" y="0"/>
+            <a:ext cx="2971800" cy="458788"/>
+          </a:xfrm>
+          <a:prstGeom prst="rect">
+            <a:avLst/>
+          </a:prstGeom>
+        </p:spPr>
+        <p:txBody>
+          <a:bodyPr vert="horz" lIns="91440" tIns="45720" rIns="91440" bIns="45720" rtlCol="0"/>
+          <a:lstStyle>
+            <a:lvl1pPr algn="r">
+              <a:defRPr sz="1200"/>
+            </a:lvl1pPr>
+          </a:lstStyle>
+          <a:p>
+            <a:fld id="{5FA831C6-5E01-4C4C-A5E7-637C1D4AB85E}" type="datetimeFigureOut">
+              <a:rPr kumimoji="1" lang="ja-JP" altLang="en-US" smtClean="0"/>
+              <a:t>2019/11/17</a:t>
+            </a:fld>
+            <a:endParaRPr kumimoji="1" lang="ja-JP" altLang="en-US"/>
+          </a:p>
+        </p:txBody>
+      </p:sp>
+      <p:sp>
+        <p:nvSpPr>
+          <p:cNvPr id="4" name="スライド イメージ プレースホルダー 3"/>
+          <p:cNvSpPr>
+            <a:spLocks noGrp="1" noRot="1" noChangeAspect="1"/>
+          </p:cNvSpPr>
+          <p:nvPr>
+            <p:ph type="sldImg" idx="2"/>
+          </p:nvPr>
+        </p:nvSpPr>
+        <p:spPr>
+          <a:xfrm>
+            <a:off x="685800" y="1143000"/>
+            <a:ext cx="5486400" cy="3086100"/>
+          </a:xfrm>
+          <a:prstGeom prst="rect">
+            <a:avLst/>
+          </a:prstGeom>
+          <a:noFill/>
+          <a:ln w="12700">
+            <a:solidFill>
+              <a:prstClr val="black"/>
+            </a:solidFill>
+          </a:ln>
+        </p:spPr>
+        <p:txBody>
+          <a:bodyPr vert="horz" lIns="91440" tIns="45720" rIns="91440" bIns="45720" rtlCol="0" anchor="ctr"/>
+          <a:lstStyle/>
+          <a:p>
+            <a:endParaRPr lang="ja-JP" altLang="en-US"/>
+          </a:p>
+        </p:txBody>
+      </p:sp>
+      <p:sp>
+        <p:nvSpPr>
+          <p:cNvPr id="5" name="ノート プレースホルダー 4"/>
+          <p:cNvSpPr>
+            <a:spLocks noGrp="1"/>
+          </p:cNvSpPr>
+          <p:nvPr>
+            <p:ph type="body" sz="quarter" idx="3"/>
+          </p:nvPr>
+        </p:nvSpPr>
+        <p:spPr>
+          <a:xfrm>
+            <a:off x="685800" y="4400550"/>
+            <a:ext cx="5486400" cy="3600450"/>
+          </a:xfrm>
+          <a:prstGeom prst="rect">
+            <a:avLst/>
+          </a:prstGeom>
+        </p:spPr>
+        <p:txBody>
+          <a:bodyPr vert="horz" lIns="91440" tIns="45720" rIns="91440" bIns="45720" rtlCol="0"/>
+          <a:lstStyle/>
+          <a:p>
+            <a:r>
+              <a:rPr kumimoji="1" lang="ja-JP" altLang="en-US"/>
+              <a:t>マスター テキストの書式設定
+第 </a:t>
+            </a:r>
+            <a:r>
+              <a:rPr kumimoji="1" lang="en-US" altLang="ja-JP"/>
+              <a:t>2 </a:t>
+            </a:r>
+            <a:r>
+              <a:rPr kumimoji="1" lang="ja-JP" altLang="en-US"/>
+              <a:t>レベル
+第 </a:t>
+            </a:r>
+            <a:r>
+              <a:rPr kumimoji="1" lang="en-US" altLang="ja-JP"/>
+              <a:t>3 </a:t>
+            </a:r>
+            <a:r>
+              <a:rPr kumimoji="1" lang="ja-JP" altLang="en-US"/>
+              <a:t>レベル
+第 </a:t>
+            </a:r>
+            <a:r>
+              <a:rPr kumimoji="1" lang="en-US" altLang="ja-JP"/>
+              <a:t>4 </a:t>
+            </a:r>
+            <a:r>
+              <a:rPr kumimoji="1" lang="ja-JP" altLang="en-US"/>
+              <a:t>レベル
+第 </a:t>
+            </a:r>
+            <a:r>
+              <a:rPr kumimoji="1" lang="en-US" altLang="ja-JP"/>
+              <a:t>5 </a:t>
+            </a:r>
+            <a:r>
+              <a:rPr kumimoji="1" lang="ja-JP" altLang="en-US"/>
+              <a:t>レベル</a:t>
+            </a:r>
+          </a:p>
+        </p:txBody>
+      </p:sp>
+      <p:sp>
+        <p:nvSpPr>
+          <p:cNvPr id="6" name="フッター プレースホルダー 5"/>
+          <p:cNvSpPr>
+            <a:spLocks noGrp="1"/>
+          </p:cNvSpPr>
+          <p:nvPr>
+            <p:ph type="ftr" sz="quarter" idx="4"/>
+          </p:nvPr>
+        </p:nvSpPr>
+        <p:spPr>
+          <a:xfrm>
+            <a:off x="0" y="8685213"/>
+            <a:ext cx="2971800" cy="458787"/>
+          </a:xfrm>
+          <a:prstGeom prst="rect">
+            <a:avLst/>
+          </a:prstGeom>
+        </p:spPr>
+        <p:txBody>
+          <a:bodyPr vert="horz" lIns="91440" tIns="45720" rIns="91440" bIns="45720" rtlCol="0" anchor="b"/>
+          <a:lstStyle>
+            <a:lvl1pPr algn="l">
+              <a:defRPr sz="1200"/>
+            </a:lvl1pPr>
+          </a:lstStyle>
+          <a:p>
+            <a:endParaRPr kumimoji="1" lang="ja-JP" altLang="en-US"/>
+          </a:p>
+        </p:txBody>
+      </p:sp>
+      <p:sp>
+        <p:nvSpPr>
+          <p:cNvPr id="7" name="スライド番号プレースホルダー 6"/>
+          <p:cNvSpPr>
+            <a:spLocks noGrp="1"/>
+          </p:cNvSpPr>
+          <p:nvPr>
+            <p:ph type="sldNum" sz="quarter" idx="5"/>
+          </p:nvPr>
+        </p:nvSpPr>
+        <p:spPr>
+          <a:xfrm>
+            <a:off x="3884613" y="8685213"/>
+            <a:ext cx="2971800" cy="458787"/>
+          </a:xfrm>
+          <a:prstGeom prst="rect">
+            <a:avLst/>
+          </a:prstGeom>
+        </p:spPr>
+        <p:txBody>
+          <a:bodyPr vert="horz" lIns="91440" tIns="45720" rIns="91440" bIns="45720" rtlCol="0" anchor="b"/>
+          <a:lstStyle>
+            <a:lvl1pPr algn="r">
+              <a:defRPr sz="1200"/>
+            </a:lvl1pPr>
+          </a:lstStyle>
+          <a:p>
+            <a:fld id="{A523B8D8-79D6-894F-BA8E-A3933122E15E}" type="slidenum">
+              <a:rPr kumimoji="1" lang="ja-JP" altLang="en-US" smtClean="0"/>
+              <a:t>‹#›</a:t>
+            </a:fld>
+            <a:endParaRPr kumimoji="1" lang="ja-JP" altLang="en-US"/>
+          </a:p>
+        </p:txBody>
+      </p:sp>
+    </p:spTree>
+    <p:extLst>
+      <p:ext uri="{BB962C8B-B14F-4D97-AF65-F5344CB8AC3E}">
+        <p14:creationId xmlns:p14="http://schemas.microsoft.com/office/powerpoint/2010/main" val="1594238657"/>
+      </p:ext>
+    </p:extLst>
+  </p:cSld>
+  <p:clrMap bg1="lt1" tx1="dk1" bg2="lt2" tx2="dk2" accent1="accent1" accent2="accent2" accent3="accent3" accent4="accent4" accent5="accent5" accent6="accent6" hlink="hlink" folHlink="folHlink"/>
+  <p:notesStyle>
+    <a:lvl1pPr marL="0" algn="l" defTabSz="914400" rtl="0" eaLnBrk="1" latinLnBrk="0" hangingPunct="1">
+      <a:defRPr kumimoji="1" sz="1200" kern="1200">
+        <a:solidFill>
+          <a:schemeClr val="tx1"/>
+        </a:solidFill>
+        <a:latin typeface="+mn-lt"/>
+        <a:ea typeface="+mn-ea"/>
+        <a:cs typeface="+mn-cs"/>
+      </a:defRPr>
+    </a:lvl1pPr>
+    <a:lvl2pPr marL="457200" algn="l" defTabSz="914400" rtl="0" eaLnBrk="1" latinLnBrk="0" hangingPunct="1">
+      <a:defRPr kumimoji="1" sz="1200" kern="1200">
+        <a:solidFill>
+          <a:schemeClr val="tx1"/>
+        </a:solidFill>
+        <a:latin typeface="+mn-lt"/>
+        <a:ea typeface="+mn-ea"/>
+        <a:cs typeface="+mn-cs"/>
+      </a:defRPr>
+    </a:lvl2pPr>
+    <a:lvl3pPr marL="914400" algn="l" defTabSz="914400" rtl="0" eaLnBrk="1" latinLnBrk="0" hangingPunct="1">
+      <a:defRPr kumimoji="1" sz="1200" kern="1200">
+        <a:solidFill>
+          <a:schemeClr val="tx1"/>
+        </a:solidFill>
+        <a:latin typeface="+mn-lt"/>
+        <a:ea typeface="+mn-ea"/>
+        <a:cs typeface="+mn-cs"/>
+      </a:defRPr>
+    </a:lvl3pPr>
+    <a:lvl4pPr marL="1371600" algn="l" defTabSz="914400" rtl="0" eaLnBrk="1" latinLnBrk="0" hangingPunct="1">
+      <a:defRPr kumimoji="1" sz="1200" kern="1200">
+        <a:solidFill>
+          <a:schemeClr val="tx1"/>
+        </a:solidFill>
+        <a:latin typeface="+mn-lt"/>
+        <a:ea typeface="+mn-ea"/>
+        <a:cs typeface="+mn-cs"/>
+      </a:defRPr>
+    </a:lvl4pPr>
+    <a:lvl5pPr marL="1828800" algn="l" defTabSz="914400" rtl="0" eaLnBrk="1" latinLnBrk="0" hangingPunct="1">
+      <a:defRPr kumimoji="1" sz="1200" kern="1200">
+        <a:solidFill>
+          <a:schemeClr val="tx1"/>
+        </a:solidFill>
+        <a:latin typeface="+mn-lt"/>
+        <a:ea typeface="+mn-ea"/>
+        <a:cs typeface="+mn-cs"/>
+      </a:defRPr>
+    </a:lvl5pPr>
+    <a:lvl6pPr marL="2286000" algn="l" defTabSz="914400" rtl="0" eaLnBrk="1" latinLnBrk="0" hangingPunct="1">
+      <a:defRPr kumimoji="1" sz="1200" kern="1200">
+        <a:solidFill>
+          <a:schemeClr val="tx1"/>
+        </a:solidFill>
+        <a:latin typeface="+mn-lt"/>
+        <a:ea typeface="+mn-ea"/>
+        <a:cs typeface="+mn-cs"/>
+      </a:defRPr>
+    </a:lvl6pPr>
+    <a:lvl7pPr marL="2743200" algn="l" defTabSz="914400" rtl="0" eaLnBrk="1" latinLnBrk="0" hangingPunct="1">
+      <a:defRPr kumimoji="1" sz="1200" kern="1200">
+        <a:solidFill>
+          <a:schemeClr val="tx1"/>
+        </a:solidFill>
+        <a:latin typeface="+mn-lt"/>
+        <a:ea typeface="+mn-ea"/>
+        <a:cs typeface="+mn-cs"/>
+      </a:defRPr>
+    </a:lvl7pPr>
+    <a:lvl8pPr marL="3200400" algn="l" defTabSz="914400" rtl="0" eaLnBrk="1" latinLnBrk="0" hangingPunct="1">
+      <a:defRPr kumimoji="1" sz="1200" kern="1200">
+        <a:solidFill>
+          <a:schemeClr val="tx1"/>
+        </a:solidFill>
+        <a:latin typeface="+mn-lt"/>
+        <a:ea typeface="+mn-ea"/>
+        <a:cs typeface="+mn-cs"/>
+      </a:defRPr>
+    </a:lvl8pPr>
+    <a:lvl9pPr marL="3657600" algn="l" defTabSz="914400" rtl="0" eaLnBrk="1" latinLnBrk="0" hangingPunct="1">
+      <a:defRPr kumimoji="1" sz="1200" kern="1200">
+        <a:solidFill>
+          <a:schemeClr val="tx1"/>
+        </a:solidFill>
+        <a:latin typeface="+mn-lt"/>
+        <a:ea typeface="+mn-ea"/>
+        <a:cs typeface="+mn-cs"/>
+      </a:defRPr>
+    </a:lvl9pPr>
+  </p:notesStyle>
+</p:notesMaster>
+</file>
+
 <file path=ppt/slideLayouts/slideLayout1.xml><?xml version="1.0" encoding="utf-8"?>
 <p:sldLayout xmlns:a="http://schemas.openxmlformats.org/drawingml/2006/main" xmlns:r="http://schemas.openxmlformats.org/officeDocument/2006/relationships" xmlns:p="http://schemas.openxmlformats.org/presentationml/2006/main" type="title" preserve="1">
   <p:cSld name="タイトル スライド">
@@ -5965,10 +6564,9 @@
           <a:bodyPr/>
           <a:lstStyle/>
           <a:p>
-            <a:fld id="{08B9EBBA-996F-894A-B54A-D6246ED52CEA}" type="datetimeFigureOut">
-              <a:rPr lang="en-US" dirty="0"/>
-              <a:pPr/>
-              <a:t>9/30/19</a:t>
+            <a:fld id="{6C0619F4-BB5C-ED4E-9E99-5F5BE92D1FE9}" type="datetime1">
+              <a:rPr lang="ja-JP" altLang="en-US" smtClean="0"/>
+              <a:t>2019/11/17</a:t>
             </a:fld>
             <a:endParaRPr lang="en-US" dirty="0"/>
           </a:p>
@@ -6022,6 +6620,18 @@
   <p:clrMapOvr>
     <a:masterClrMapping/>
   </p:clrMapOvr>
+  <mc:AlternateContent xmlns:mc="http://schemas.openxmlformats.org/markup-compatibility/2006" xmlns:p14="http://schemas.microsoft.com/office/powerpoint/2010/main">
+    <mc:Choice Requires="p14">
+      <p:transition spd="med" p14:dur="700">
+        <p:fade/>
+      </p:transition>
+    </mc:Choice>
+    <mc:Fallback xmlns="">
+      <p:transition spd="med">
+        <p:fade/>
+      </p:transition>
+    </mc:Fallback>
+  </mc:AlternateContent>
 </p:sldLayout>
 </file>
 
@@ -6317,10 +6927,9 @@
           <a:bodyPr/>
           <a:lstStyle/>
           <a:p>
-            <a:fld id="{18C79C5D-2A6F-F04D-97DA-BEF2467B64E4}" type="datetimeFigureOut">
-              <a:rPr lang="en-US" dirty="0"/>
-              <a:pPr/>
-              <a:t>9/30/19</a:t>
+            <a:fld id="{71D75251-E6E9-3143-8D62-E164CD23AEEB}" type="datetime1">
+              <a:rPr lang="ja-JP" altLang="en-US" smtClean="0"/>
+              <a:t>2019/11/17</a:t>
             </a:fld>
             <a:endParaRPr lang="en-US" dirty="0"/>
           </a:p>
@@ -6374,6 +6983,18 @@
   <p:clrMapOvr>
     <a:masterClrMapping/>
   </p:clrMapOvr>
+  <mc:AlternateContent xmlns:mc="http://schemas.openxmlformats.org/markup-compatibility/2006" xmlns:p14="http://schemas.microsoft.com/office/powerpoint/2010/main">
+    <mc:Choice Requires="p14">
+      <p:transition spd="med" p14:dur="700">
+        <p:fade/>
+      </p:transition>
+    </mc:Choice>
+    <mc:Fallback xmlns="">
+      <p:transition spd="med">
+        <p:fade/>
+      </p:transition>
+    </mc:Fallback>
+  </mc:AlternateContent>
 </p:sldLayout>
 </file>
 
@@ -6876,10 +7497,9 @@
           <a:bodyPr/>
           <a:lstStyle/>
           <a:p>
-            <a:fld id="{8DFA1846-DA80-1C48-A609-854EA85C59AD}" type="datetimeFigureOut">
-              <a:rPr lang="en-US" dirty="0"/>
-              <a:pPr/>
-              <a:t>9/30/19</a:t>
+            <a:fld id="{45DABB23-560B-1544-B306-051FFB4F5A33}" type="datetime1">
+              <a:rPr lang="ja-JP" altLang="en-US" smtClean="0"/>
+              <a:t>2019/11/17</a:t>
             </a:fld>
             <a:endParaRPr lang="en-US" dirty="0"/>
           </a:p>
@@ -6933,6 +7553,18 @@
   <p:clrMapOvr>
     <a:masterClrMapping/>
   </p:clrMapOvr>
+  <mc:AlternateContent xmlns:mc="http://schemas.openxmlformats.org/markup-compatibility/2006" xmlns:p14="http://schemas.microsoft.com/office/powerpoint/2010/main">
+    <mc:Choice Requires="p14">
+      <p:transition spd="med" p14:dur="700">
+        <p:fade/>
+      </p:transition>
+    </mc:Choice>
+    <mc:Fallback xmlns="">
+      <p:transition spd="med">
+        <p:fade/>
+      </p:transition>
+    </mc:Fallback>
+  </mc:AlternateContent>
 </p:sldLayout>
 </file>
 
@@ -7279,10 +7911,9 @@
           <a:bodyPr/>
           <a:lstStyle/>
           <a:p>
-            <a:fld id="{FBF54567-0DE4-3F47-BF90-CB84690072F9}" type="datetimeFigureOut">
-              <a:rPr lang="en-US" dirty="0"/>
-              <a:pPr/>
-              <a:t>9/30/19</a:t>
+            <a:fld id="{F6B6F1FA-9674-2943-992F-B2C5888B44C5}" type="datetime1">
+              <a:rPr lang="ja-JP" altLang="en-US" smtClean="0"/>
+              <a:t>2019/11/17</a:t>
             </a:fld>
             <a:endParaRPr lang="en-US" dirty="0"/>
           </a:p>
@@ -7336,6 +7967,18 @@
   <p:clrMapOvr>
     <a:masterClrMapping/>
   </p:clrMapOvr>
+  <mc:AlternateContent xmlns:mc="http://schemas.openxmlformats.org/markup-compatibility/2006" xmlns:p14="http://schemas.microsoft.com/office/powerpoint/2010/main">
+    <mc:Choice Requires="p14">
+      <p:transition spd="med" p14:dur="700">
+        <p:fade/>
+      </p:transition>
+    </mc:Choice>
+    <mc:Fallback xmlns="">
+      <p:transition spd="med">
+        <p:fade/>
+      </p:transition>
+    </mc:Fallback>
+  </mc:AlternateContent>
 </p:sldLayout>
 </file>
 
@@ -7557,10 +8200,9 @@
           <a:bodyPr/>
           <a:lstStyle/>
           <a:p>
-            <a:fld id="{C6C52C72-DE31-F449-A4ED-4C594FD91407}" type="datetimeFigureOut">
-              <a:rPr lang="en-US" dirty="0"/>
-              <a:pPr/>
-              <a:t>9/30/19</a:t>
+            <a:fld id="{FAC3B578-86D9-B842-8618-936CFF36D197}" type="datetime1">
+              <a:rPr lang="ja-JP" altLang="en-US" smtClean="0"/>
+              <a:t>2019/11/17</a:t>
             </a:fld>
             <a:endParaRPr lang="en-US" dirty="0"/>
           </a:p>
@@ -7614,6 +8256,18 @@
   <p:clrMapOvr>
     <a:masterClrMapping/>
   </p:clrMapOvr>
+  <mc:AlternateContent xmlns:mc="http://schemas.openxmlformats.org/markup-compatibility/2006" xmlns:p14="http://schemas.microsoft.com/office/powerpoint/2010/main">
+    <mc:Choice Requires="p14">
+      <p:transition spd="med" p14:dur="700">
+        <p:fade/>
+      </p:transition>
+    </mc:Choice>
+    <mc:Fallback xmlns="">
+      <p:transition spd="med">
+        <p:fade/>
+      </p:transition>
+    </mc:Fallback>
+  </mc:AlternateContent>
 </p:sldLayout>
 </file>
 
@@ -7847,10 +8501,9 @@
           <a:bodyPr/>
           <a:lstStyle/>
           <a:p>
-            <a:fld id="{ED62726E-379B-B349-9EED-81ED093FA806}" type="datetimeFigureOut">
-              <a:rPr lang="en-US" dirty="0"/>
-              <a:pPr/>
-              <a:t>9/30/19</a:t>
+            <a:fld id="{1F254B13-BA53-2D42-831D-7DE9422DA459}" type="datetime1">
+              <a:rPr lang="ja-JP" altLang="en-US" smtClean="0"/>
+              <a:t>2019/11/17</a:t>
             </a:fld>
             <a:endParaRPr lang="en-US" dirty="0"/>
           </a:p>
@@ -7904,6 +8557,18 @@
   <p:clrMapOvr>
     <a:masterClrMapping/>
   </p:clrMapOvr>
+  <mc:AlternateContent xmlns:mc="http://schemas.openxmlformats.org/markup-compatibility/2006" xmlns:p14="http://schemas.microsoft.com/office/powerpoint/2010/main">
+    <mc:Choice Requires="p14">
+      <p:transition spd="med" p14:dur="700">
+        <p:fade/>
+      </p:transition>
+    </mc:Choice>
+    <mc:Fallback xmlns="">
+      <p:transition spd="med">
+        <p:fade/>
+      </p:transition>
+    </mc:Fallback>
+  </mc:AlternateContent>
 </p:sldLayout>
 </file>
 
@@ -8135,10 +8800,9 @@
           <a:bodyPr/>
           <a:lstStyle/>
           <a:p>
-            <a:fld id="{9B3A1323-8D79-1946-B0D7-40001CF92E9D}" type="datetimeFigureOut">
-              <a:rPr lang="en-US" dirty="0"/>
-              <a:pPr/>
-              <a:t>9/30/19</a:t>
+            <a:fld id="{72084D33-17DF-614D-9D6F-7171A753271B}" type="datetime1">
+              <a:rPr lang="ja-JP" altLang="en-US" smtClean="0"/>
+              <a:t>2019/11/17</a:t>
             </a:fld>
             <a:endParaRPr lang="en-US" dirty="0"/>
           </a:p>
@@ -8192,6 +8856,18 @@
   <p:clrMapOvr>
     <a:masterClrMapping/>
   </p:clrMapOvr>
+  <mc:AlternateContent xmlns:mc="http://schemas.openxmlformats.org/markup-compatibility/2006" xmlns:p14="http://schemas.microsoft.com/office/powerpoint/2010/main">
+    <mc:Choice Requires="p14">
+      <p:transition spd="med" p14:dur="700">
+        <p:fade/>
+      </p:transition>
+    </mc:Choice>
+    <mc:Fallback xmlns="">
+      <p:transition spd="med">
+        <p:fade/>
+      </p:transition>
+    </mc:Fallback>
+  </mc:AlternateContent>
 </p:sldLayout>
 </file>
 
@@ -8512,10 +9188,9 @@
           <a:bodyPr/>
           <a:lstStyle/>
           <a:p>
-            <a:fld id="{8DFA1846-DA80-1C48-A609-854EA85C59AD}" type="datetimeFigureOut">
-              <a:rPr lang="en-US" dirty="0"/>
-              <a:pPr/>
-              <a:t>9/30/19</a:t>
+            <a:fld id="{099B8721-B3F1-174F-B550-0470335A2EB6}" type="datetime1">
+              <a:rPr lang="ja-JP" altLang="en-US" smtClean="0"/>
+              <a:t>2019/11/17</a:t>
             </a:fld>
             <a:endParaRPr lang="en-US" dirty="0"/>
           </a:p>
@@ -8569,6 +9244,18 @@
   <p:clrMapOvr>
     <a:masterClrMapping/>
   </p:clrMapOvr>
+  <mc:AlternateContent xmlns:mc="http://schemas.openxmlformats.org/markup-compatibility/2006" xmlns:p14="http://schemas.microsoft.com/office/powerpoint/2010/main">
+    <mc:Choice Requires="p14">
+      <p:transition spd="med" p14:dur="700">
+        <p:fade/>
+      </p:transition>
+    </mc:Choice>
+    <mc:Fallback xmlns="">
+      <p:transition spd="med">
+        <p:fade/>
+      </p:transition>
+    </mc:Fallback>
+  </mc:AlternateContent>
 </p:sldLayout>
 </file>
 
@@ -8864,10 +9551,9 @@
           <a:bodyPr/>
           <a:lstStyle/>
           <a:p>
-            <a:fld id="{57302355-E14B-8545-A8F8-0FE83CC9D524}" type="datetimeFigureOut">
-              <a:rPr lang="en-US" dirty="0"/>
-              <a:pPr/>
-              <a:t>9/30/19</a:t>
+            <a:fld id="{B85A830B-FCC9-5D48-A629-9F88624E3395}" type="datetime1">
+              <a:rPr lang="ja-JP" altLang="en-US" smtClean="0"/>
+              <a:t>2019/11/17</a:t>
             </a:fld>
             <a:endParaRPr lang="en-US" dirty="0"/>
           </a:p>
@@ -8921,6 +9607,18 @@
   <p:clrMapOvr>
     <a:masterClrMapping/>
   </p:clrMapOvr>
+  <mc:AlternateContent xmlns:mc="http://schemas.openxmlformats.org/markup-compatibility/2006" xmlns:p14="http://schemas.microsoft.com/office/powerpoint/2010/main">
+    <mc:Choice Requires="p14">
+      <p:transition spd="med" p14:dur="700">
+        <p:fade/>
+      </p:transition>
+    </mc:Choice>
+    <mc:Fallback xmlns="">
+      <p:transition spd="med">
+        <p:fade/>
+      </p:transition>
+    </mc:Fallback>
+  </mc:AlternateContent>
 </p:sldLayout>
 </file>
 
@@ -9428,10 +10126,9 @@
           <a:bodyPr/>
           <a:lstStyle/>
           <a:p>
-            <a:fld id="{02640F58-564D-2B4F-AE67-E407BA4FCF45}" type="datetimeFigureOut">
-              <a:rPr lang="en-US" dirty="0"/>
-              <a:pPr/>
-              <a:t>9/30/19</a:t>
+            <a:fld id="{E38E6971-A4BE-B749-AA11-3F47A17B489C}" type="datetime1">
+              <a:rPr lang="ja-JP" altLang="en-US" smtClean="0"/>
+              <a:t>2019/11/17</a:t>
             </a:fld>
             <a:endParaRPr lang="en-US" dirty="0"/>
           </a:p>
@@ -9485,6 +10182,18 @@
   <p:clrMapOvr>
     <a:masterClrMapping/>
   </p:clrMapOvr>
+  <mc:AlternateContent xmlns:mc="http://schemas.openxmlformats.org/markup-compatibility/2006" xmlns:p14="http://schemas.microsoft.com/office/powerpoint/2010/main">
+    <mc:Choice Requires="p14">
+      <p:transition spd="med" p14:dur="700">
+        <p:fade/>
+      </p:transition>
+    </mc:Choice>
+    <mc:Fallback xmlns="">
+      <p:transition spd="med">
+        <p:fade/>
+      </p:transition>
+    </mc:Fallback>
+  </mc:AlternateContent>
 </p:sldLayout>
 </file>
 
@@ -9646,10 +10355,9 @@
           <a:bodyPr/>
           <a:lstStyle/>
           <a:p>
-            <a:fld id="{F13A34C8-038E-2045-AF43-DF7DBB8E0E9E}" type="datetimeFigureOut">
-              <a:rPr lang="en-US" dirty="0"/>
-              <a:pPr/>
-              <a:t>9/30/19</a:t>
+            <a:fld id="{562C19F2-FCD4-A14C-A183-3F35F1FA717F}" type="datetime1">
+              <a:rPr lang="ja-JP" altLang="en-US" smtClean="0"/>
+              <a:t>2019/11/17</a:t>
             </a:fld>
             <a:endParaRPr lang="en-US" dirty="0"/>
           </a:p>
@@ -9703,6 +10411,18 @@
   <p:clrMapOvr>
     <a:masterClrMapping/>
   </p:clrMapOvr>
+  <mc:AlternateContent xmlns:mc="http://schemas.openxmlformats.org/markup-compatibility/2006" xmlns:p14="http://schemas.microsoft.com/office/powerpoint/2010/main">
+    <mc:Choice Requires="p14">
+      <p:transition spd="med" p14:dur="700">
+        <p:fade/>
+      </p:transition>
+    </mc:Choice>
+    <mc:Fallback xmlns="">
+      <p:transition spd="med">
+        <p:fade/>
+      </p:transition>
+    </mc:Fallback>
+  </mc:AlternateContent>
 </p:sldLayout>
 </file>
 
@@ -9738,10 +10458,9 @@
           <a:bodyPr/>
           <a:lstStyle/>
           <a:p>
-            <a:fld id="{8818C68F-D26B-8F47-958C-23B49CF8A634}" type="datetimeFigureOut">
-              <a:rPr lang="en-US" dirty="0"/>
-              <a:pPr/>
-              <a:t>9/30/19</a:t>
+            <a:fld id="{9627E138-FC72-7E4D-962D-779330EFAF51}" type="datetime1">
+              <a:rPr lang="ja-JP" altLang="en-US" smtClean="0"/>
+              <a:t>2019/11/17</a:t>
             </a:fld>
             <a:endParaRPr lang="en-US" dirty="0"/>
           </a:p>
@@ -9795,6 +10514,18 @@
   <p:clrMapOvr>
     <a:masterClrMapping/>
   </p:clrMapOvr>
+  <mc:AlternateContent xmlns:mc="http://schemas.openxmlformats.org/markup-compatibility/2006" xmlns:p14="http://schemas.microsoft.com/office/powerpoint/2010/main">
+    <mc:Choice Requires="p14">
+      <p:transition spd="med" p14:dur="700">
+        <p:fade/>
+      </p:transition>
+    </mc:Choice>
+    <mc:Fallback xmlns="">
+      <p:transition spd="med">
+        <p:fade/>
+      </p:transition>
+    </mc:Fallback>
+  </mc:AlternateContent>
 </p:sldLayout>
 </file>
 
@@ -10247,10 +10978,9 @@
           <a:bodyPr/>
           <a:lstStyle/>
           <a:p>
-            <a:fld id="{D0DF5E60-9974-AC48-9591-99C2BB44B7CF}" type="datetimeFigureOut">
-              <a:rPr lang="en-US" dirty="0"/>
-              <a:pPr/>
-              <a:t>9/30/19</a:t>
+            <a:fld id="{7D313787-7D47-624C-A4E9-8A8B37EC0B85}" type="datetime1">
+              <a:rPr lang="ja-JP" altLang="en-US" smtClean="0"/>
+              <a:t>2019/11/17</a:t>
             </a:fld>
             <a:endParaRPr lang="en-US" dirty="0"/>
           </a:p>
@@ -10304,6 +11034,18 @@
   <p:clrMapOvr>
     <a:masterClrMapping/>
   </p:clrMapOvr>
+  <mc:AlternateContent xmlns:mc="http://schemas.openxmlformats.org/markup-compatibility/2006" xmlns:p14="http://schemas.microsoft.com/office/powerpoint/2010/main">
+    <mc:Choice Requires="p14">
+      <p:transition spd="med" p14:dur="700">
+        <p:fade/>
+      </p:transition>
+    </mc:Choice>
+    <mc:Fallback xmlns="">
+      <p:transition spd="med">
+        <p:fade/>
+      </p:transition>
+    </mc:Fallback>
+  </mc:AlternateContent>
 </p:sldLayout>
 </file>
 
@@ -10594,10 +11336,9 @@
           <a:bodyPr/>
           <a:lstStyle/>
           <a:p>
-            <a:fld id="{18C79C5D-2A6F-F04D-97DA-BEF2467B64E4}" type="datetimeFigureOut">
-              <a:rPr lang="en-US" dirty="0"/>
-              <a:pPr/>
-              <a:t>9/30/19</a:t>
+            <a:fld id="{64F1BCED-6771-9B42-B1D0-E703026F9151}" type="datetime1">
+              <a:rPr lang="ja-JP" altLang="en-US" smtClean="0"/>
+              <a:t>2019/11/17</a:t>
             </a:fld>
             <a:endParaRPr lang="en-US" dirty="0"/>
           </a:p>
@@ -10661,6 +11402,18 @@
   <p:clrMapOvr>
     <a:masterClrMapping/>
   </p:clrMapOvr>
+  <mc:AlternateContent xmlns:mc="http://schemas.openxmlformats.org/markup-compatibility/2006" xmlns:p14="http://schemas.microsoft.com/office/powerpoint/2010/main">
+    <mc:Choice Requires="p14">
+      <p:transition spd="med" p14:dur="700">
+        <p:fade/>
+      </p:transition>
+    </mc:Choice>
+    <mc:Fallback xmlns="">
+      <p:transition spd="med">
+        <p:fade/>
+      </p:transition>
+    </mc:Fallback>
+  </mc:AlternateContent>
 </p:sldLayout>
 </file>
 
@@ -10869,10 +11622,9 @@
             </a:lvl1pPr>
           </a:lstStyle>
           <a:p>
-            <a:fld id="{09B482E8-6E0E-1B4F-B1FD-C69DB9E858D9}" type="datetimeFigureOut">
-              <a:rPr lang="en-US" dirty="0"/>
-              <a:pPr/>
-              <a:t>9/30/19</a:t>
+            <a:fld id="{DFFCB9B1-CE37-1F4C-8ADC-92C0EC77E433}" type="datetime1">
+              <a:rPr lang="ja-JP" altLang="en-US" smtClean="0"/>
+              <a:t>2019/11/17</a:t>
             </a:fld>
             <a:endParaRPr lang="en-US" dirty="0"/>
           </a:p>
@@ -10937,7 +11689,19 @@
     <p:sldLayoutId id="2147483658" r:id="rId13"/>
     <p:sldLayoutId id="2147483659" r:id="rId14"/>
   </p:sldLayoutIdLst>
-  <p:hf sldNum="0" hdr="0" ftr="0" dt="0"/>
+  <mc:AlternateContent xmlns:mc="http://schemas.openxmlformats.org/markup-compatibility/2006" xmlns:p14="http://schemas.microsoft.com/office/powerpoint/2010/main">
+    <mc:Choice Requires="p14">
+      <p:transition spd="med" p14:dur="700">
+        <p:fade/>
+      </p:transition>
+    </mc:Choice>
+    <mc:Fallback xmlns="">
+      <p:transition spd="med">
+        <p:fade/>
+      </p:transition>
+    </mc:Fallback>
+  </mc:AlternateContent>
+  <p:hf hdr="0" ftr="0" dt="0"/>
   <p:txStyles>
     <p:titleStyle>
       <a:lvl1pPr algn="l" defTabSz="457200" rtl="0" eaLnBrk="1" latinLnBrk="0" hangingPunct="1">
@@ -11415,6 +12179,18 @@
   <p:clrMapOvr>
     <a:masterClrMapping/>
   </p:clrMapOvr>
+  <mc:AlternateContent xmlns:mc="http://schemas.openxmlformats.org/markup-compatibility/2006" xmlns:p14="http://schemas.microsoft.com/office/powerpoint/2010/main">
+    <mc:Choice Requires="p14">
+      <p:transition spd="med" p14:dur="700">
+        <p:fade/>
+      </p:transition>
+    </mc:Choice>
+    <mc:Fallback xmlns="">
+      <p:transition spd="med">
+        <p:fade/>
+      </p:transition>
+    </mc:Fallback>
+  </mc:AlternateContent>
 </p:sld>
 </file>
 
@@ -11660,6 +12436,36 @@
           </a:p>
         </p:txBody>
       </p:sp>
+      <p:sp>
+        <p:nvSpPr>
+          <p:cNvPr id="4" name="スライド番号プレースホルダー 3">
+            <a:extLst>
+              <a:ext uri="{FF2B5EF4-FFF2-40B4-BE49-F238E27FC236}">
+                <a16:creationId xmlns:a16="http://schemas.microsoft.com/office/drawing/2014/main" id="{4306B2E9-F119-D54E-86C5-497C16BC9F77}"/>
+              </a:ext>
+            </a:extLst>
+          </p:cNvPr>
+          <p:cNvSpPr>
+            <a:spLocks noGrp="1"/>
+          </p:cNvSpPr>
+          <p:nvPr>
+            <p:ph type="sldNum" sz="quarter" idx="12"/>
+          </p:nvPr>
+        </p:nvSpPr>
+        <p:spPr/>
+        <p:txBody>
+          <a:bodyPr/>
+          <a:lstStyle/>
+          <a:p>
+            <a:fld id="{D57F1E4F-1CFF-5643-939E-217C01CDF565}" type="slidenum">
+              <a:rPr lang="en-US" smtClean="0"/>
+              <a:pPr/>
+              <a:t>2</a:t>
+            </a:fld>
+            <a:endParaRPr lang="en-US" dirty="0"/>
+          </a:p>
+        </p:txBody>
+      </p:sp>
     </p:spTree>
     <p:extLst>
       <p:ext uri="{BB962C8B-B14F-4D97-AF65-F5344CB8AC3E}">
@@ -11670,6 +12476,18 @@
   <p:clrMapOvr>
     <a:masterClrMapping/>
   </p:clrMapOvr>
+  <mc:AlternateContent xmlns:mc="http://schemas.openxmlformats.org/markup-compatibility/2006" xmlns:p14="http://schemas.microsoft.com/office/powerpoint/2010/main">
+    <mc:Choice Requires="p14">
+      <p:transition spd="med" p14:dur="700">
+        <p:fade/>
+      </p:transition>
+    </mc:Choice>
+    <mc:Fallback xmlns="">
+      <p:transition spd="med">
+        <p:fade/>
+      </p:transition>
+    </mc:Fallback>
+  </mc:AlternateContent>
 </p:sld>
 </file>
 
@@ -11838,6 +12656,76 @@
           </a:graphicData>
         </a:graphic>
       </p:graphicFrame>
+      <p:sp>
+        <p:nvSpPr>
+          <p:cNvPr id="6" name="スライド番号プレースホルダー 5">
+            <a:extLst>
+              <a:ext uri="{FF2B5EF4-FFF2-40B4-BE49-F238E27FC236}">
+                <a16:creationId xmlns:a16="http://schemas.microsoft.com/office/drawing/2014/main" id="{828BA8C7-6047-9547-A0B0-5147BFCF6946}"/>
+              </a:ext>
+            </a:extLst>
+          </p:cNvPr>
+          <p:cNvSpPr>
+            <a:spLocks noGrp="1"/>
+          </p:cNvSpPr>
+          <p:nvPr>
+            <p:ph type="sldNum" sz="quarter" idx="12"/>
+          </p:nvPr>
+        </p:nvSpPr>
+        <p:spPr/>
+        <p:txBody>
+          <a:bodyPr/>
+          <a:lstStyle/>
+          <a:p>
+            <a:fld id="{D57F1E4F-1CFF-5643-939E-217C01CDF565}" type="slidenum">
+              <a:rPr lang="en-US" smtClean="0"/>
+              <a:pPr/>
+              <a:t>3</a:t>
+            </a:fld>
+            <a:endParaRPr lang="en-US" dirty="0"/>
+          </a:p>
+        </p:txBody>
+      </p:sp>
+      <p:sp>
+        <p:nvSpPr>
+          <p:cNvPr id="8" name="テキスト ボックス 7">
+            <a:extLst>
+              <a:ext uri="{FF2B5EF4-FFF2-40B4-BE49-F238E27FC236}">
+                <a16:creationId xmlns:a16="http://schemas.microsoft.com/office/drawing/2014/main" id="{B0B1CD39-FF3B-4E49-8BB0-8622D611201A}"/>
+              </a:ext>
+            </a:extLst>
+          </p:cNvPr>
+          <p:cNvSpPr txBox="1"/>
+          <p:nvPr/>
+        </p:nvSpPr>
+        <p:spPr>
+          <a:xfrm>
+            <a:off x="167873" y="6152336"/>
+            <a:ext cx="2920992" cy="307777"/>
+          </a:xfrm>
+          <a:prstGeom prst="rect">
+            <a:avLst/>
+          </a:prstGeom>
+          <a:noFill/>
+        </p:spPr>
+        <p:txBody>
+          <a:bodyPr wrap="none" rtlCol="0">
+            <a:spAutoFit/>
+          </a:bodyPr>
+          <a:lstStyle/>
+          <a:p>
+            <a:r>
+              <a:rPr lang="en" altLang="ja-JP" sz="1400" dirty="0" err="1"/>
+              <a:t>TeamProgressModel.py</a:t>
+            </a:r>
+            <a:r>
+              <a:rPr lang="ja-JP" altLang="en-US" sz="1400"/>
+              <a:t>より出力</a:t>
+            </a:r>
+            <a:endParaRPr kumimoji="1" lang="ja-JP" altLang="en-US" sz="1400"/>
+          </a:p>
+        </p:txBody>
+      </p:sp>
     </p:spTree>
     <p:extLst>
       <p:ext uri="{BB962C8B-B14F-4D97-AF65-F5344CB8AC3E}">
@@ -11848,6 +12736,18 @@
   <p:clrMapOvr>
     <a:masterClrMapping/>
   </p:clrMapOvr>
+  <mc:AlternateContent xmlns:mc="http://schemas.openxmlformats.org/markup-compatibility/2006" xmlns:p14="http://schemas.microsoft.com/office/powerpoint/2010/main">
+    <mc:Choice Requires="p14">
+      <p:transition spd="med" p14:dur="700">
+        <p:fade/>
+      </p:transition>
+    </mc:Choice>
+    <mc:Fallback xmlns="">
+      <p:transition spd="med">
+        <p:fade/>
+      </p:transition>
+    </mc:Fallback>
+  </mc:AlternateContent>
 </p:sld>
 </file>
 
@@ -12041,14 +12941,14 @@
           </a:p>
           <a:p>
             <a:r>
-              <a:rPr kumimoji="1" lang="ja-JP" altLang="en-US" sz="2800" b="1">
+              <a:rPr kumimoji="1" lang="ja-JP" altLang="en-US" sz="2800" b="1" u="sng">
                 <a:latin typeface="Hiragino Kaku Gothic Pro W6" panose="020B0300000000000000" pitchFamily="34" charset="-128"/>
                 <a:ea typeface="Hiragino Kaku Gothic Pro W6" panose="020B0300000000000000" pitchFamily="34" charset="-128"/>
               </a:rPr>
               <a:t>課題としては</a:t>
             </a:r>
             <a:r>
-              <a:rPr kumimoji="1" lang="en-US" altLang="ja-JP" sz="2800" b="1" dirty="0">
+              <a:rPr kumimoji="1" lang="en-US" altLang="ja-JP" sz="2800" b="1" u="sng" dirty="0">
                 <a:latin typeface="Hiragino Kaku Gothic Pro W6" panose="020B0300000000000000" pitchFamily="34" charset="-128"/>
                 <a:ea typeface="Hiragino Kaku Gothic Pro W6" panose="020B0300000000000000" pitchFamily="34" charset="-128"/>
               </a:rPr>
@@ -12067,6 +12967,36 @@
               <a:latin typeface="Hiragino Kaku Gothic Pro W6" panose="020B0300000000000000" pitchFamily="34" charset="-128"/>
               <a:ea typeface="Hiragino Kaku Gothic Pro W6" panose="020B0300000000000000" pitchFamily="34" charset="-128"/>
             </a:endParaRPr>
+          </a:p>
+        </p:txBody>
+      </p:sp>
+      <p:sp>
+        <p:nvSpPr>
+          <p:cNvPr id="3" name="スライド番号プレースホルダー 2">
+            <a:extLst>
+              <a:ext uri="{FF2B5EF4-FFF2-40B4-BE49-F238E27FC236}">
+                <a16:creationId xmlns:a16="http://schemas.microsoft.com/office/drawing/2014/main" id="{B57DF693-A867-3544-BFBA-5C6F7747137B}"/>
+              </a:ext>
+            </a:extLst>
+          </p:cNvPr>
+          <p:cNvSpPr>
+            <a:spLocks noGrp="1"/>
+          </p:cNvSpPr>
+          <p:nvPr>
+            <p:ph type="sldNum" sz="quarter" idx="12"/>
+          </p:nvPr>
+        </p:nvSpPr>
+        <p:spPr/>
+        <p:txBody>
+          <a:bodyPr/>
+          <a:lstStyle/>
+          <a:p>
+            <a:fld id="{D57F1E4F-1CFF-5643-939E-217C01CDF565}" type="slidenum">
+              <a:rPr lang="en-US" smtClean="0"/>
+              <a:pPr/>
+              <a:t>4</a:t>
+            </a:fld>
+            <a:endParaRPr lang="en-US" dirty="0"/>
           </a:p>
         </p:txBody>
       </p:sp>
@@ -12080,6 +13010,18 @@
   <p:clrMapOvr>
     <a:masterClrMapping/>
   </p:clrMapOvr>
+  <mc:AlternateContent xmlns:mc="http://schemas.openxmlformats.org/markup-compatibility/2006" xmlns:p14="http://schemas.microsoft.com/office/powerpoint/2010/main">
+    <mc:Choice Requires="p14">
+      <p:transition spd="med" p14:dur="700">
+        <p:fade/>
+      </p:transition>
+    </mc:Choice>
+    <mc:Fallback xmlns="">
+      <p:transition spd="med">
+        <p:fade/>
+      </p:transition>
+    </mc:Fallback>
+  </mc:AlternateContent>
 </p:sld>
 </file>
 
@@ -12339,6 +13281,76 @@
           </a:p>
         </p:txBody>
       </p:sp>
+      <p:sp>
+        <p:nvSpPr>
+          <p:cNvPr id="3" name="スライド番号プレースホルダー 2">
+            <a:extLst>
+              <a:ext uri="{FF2B5EF4-FFF2-40B4-BE49-F238E27FC236}">
+                <a16:creationId xmlns:a16="http://schemas.microsoft.com/office/drawing/2014/main" id="{BA1929A3-786D-3C42-8931-F75FCD0D8FC4}"/>
+              </a:ext>
+            </a:extLst>
+          </p:cNvPr>
+          <p:cNvSpPr>
+            <a:spLocks noGrp="1"/>
+          </p:cNvSpPr>
+          <p:nvPr>
+            <p:ph type="sldNum" sz="quarter" idx="12"/>
+          </p:nvPr>
+        </p:nvSpPr>
+        <p:spPr/>
+        <p:txBody>
+          <a:bodyPr/>
+          <a:lstStyle/>
+          <a:p>
+            <a:fld id="{D57F1E4F-1CFF-5643-939E-217C01CDF565}" type="slidenum">
+              <a:rPr lang="en-US" smtClean="0"/>
+              <a:pPr/>
+              <a:t>5</a:t>
+            </a:fld>
+            <a:endParaRPr lang="en-US" dirty="0"/>
+          </a:p>
+        </p:txBody>
+      </p:sp>
+      <p:sp>
+        <p:nvSpPr>
+          <p:cNvPr id="6" name="テキスト ボックス 5">
+            <a:extLst>
+              <a:ext uri="{FF2B5EF4-FFF2-40B4-BE49-F238E27FC236}">
+                <a16:creationId xmlns:a16="http://schemas.microsoft.com/office/drawing/2014/main" id="{AA8F5645-C0AA-B74B-8ADB-DCE414A0839F}"/>
+              </a:ext>
+            </a:extLst>
+          </p:cNvPr>
+          <p:cNvSpPr txBox="1"/>
+          <p:nvPr/>
+        </p:nvSpPr>
+        <p:spPr>
+          <a:xfrm>
+            <a:off x="242358" y="6252598"/>
+            <a:ext cx="2366353" cy="307777"/>
+          </a:xfrm>
+          <a:prstGeom prst="rect">
+            <a:avLst/>
+          </a:prstGeom>
+          <a:noFill/>
+        </p:spPr>
+        <p:txBody>
+          <a:bodyPr wrap="none" rtlCol="0">
+            <a:spAutoFit/>
+          </a:bodyPr>
+          <a:lstStyle/>
+          <a:p>
+            <a:r>
+              <a:rPr lang="en" altLang="ja-JP" sz="1400" dirty="0" err="1"/>
+              <a:t>AnaGoalTime.py</a:t>
+            </a:r>
+            <a:r>
+              <a:rPr lang="ja-JP" altLang="en-US" sz="1400"/>
+              <a:t>より出力</a:t>
+            </a:r>
+            <a:endParaRPr kumimoji="1" lang="ja-JP" altLang="en-US" sz="1400"/>
+          </a:p>
+        </p:txBody>
+      </p:sp>
     </p:spTree>
     <p:extLst>
       <p:ext uri="{BB962C8B-B14F-4D97-AF65-F5344CB8AC3E}">
@@ -12349,6 +13361,18 @@
   <p:clrMapOvr>
     <a:masterClrMapping/>
   </p:clrMapOvr>
+  <mc:AlternateContent xmlns:mc="http://schemas.openxmlformats.org/markup-compatibility/2006" xmlns:p14="http://schemas.microsoft.com/office/powerpoint/2010/main">
+    <mc:Choice Requires="p14">
+      <p:transition spd="med" p14:dur="700">
+        <p:fade/>
+      </p:transition>
+    </mc:Choice>
+    <mc:Fallback xmlns="">
+      <p:transition spd="med">
+        <p:fade/>
+      </p:transition>
+    </mc:Fallback>
+  </mc:AlternateContent>
 </p:sld>
 </file>
 
@@ -12587,4 +13611,299 @@
     </a:ext>
   </a:extLst>
 </a:theme>
+</file>
+
+<file path=ppt/theme/theme2.xml><?xml version="1.0" encoding="utf-8"?>
+<a:theme xmlns:a="http://schemas.openxmlformats.org/drawingml/2006/main" name="Office テーマ">
+  <a:themeElements>
+    <a:clrScheme name="Office">
+      <a:dk1>
+        <a:sysClr val="windowText" lastClr="000000"/>
+      </a:dk1>
+      <a:lt1>
+        <a:sysClr val="window" lastClr="FFFFFF"/>
+      </a:lt1>
+      <a:dk2>
+        <a:srgbClr val="44546A"/>
+      </a:dk2>
+      <a:lt2>
+        <a:srgbClr val="E7E6E6"/>
+      </a:lt2>
+      <a:accent1>
+        <a:srgbClr val="4472C4"/>
+      </a:accent1>
+      <a:accent2>
+        <a:srgbClr val="ED7D31"/>
+      </a:accent2>
+      <a:accent3>
+        <a:srgbClr val="A5A5A5"/>
+      </a:accent3>
+      <a:accent4>
+        <a:srgbClr val="FFC000"/>
+      </a:accent4>
+      <a:accent5>
+        <a:srgbClr val="5B9BD5"/>
+      </a:accent5>
+      <a:accent6>
+        <a:srgbClr val="70AD47"/>
+      </a:accent6>
+      <a:hlink>
+        <a:srgbClr val="0563C1"/>
+      </a:hlink>
+      <a:folHlink>
+        <a:srgbClr val="954F72"/>
+      </a:folHlink>
+    </a:clrScheme>
+    <a:fontScheme name="Office">
+      <a:majorFont>
+        <a:latin typeface="游ゴシック Light" panose="020F0302020204030204"/>
+        <a:ea typeface=""/>
+        <a:cs typeface=""/>
+        <a:font script="Jpan" typeface="游ゴシック Light"/>
+        <a:font script="Hang" typeface="맑은 고딕"/>
+        <a:font script="Hans" typeface="等线 Light"/>
+        <a:font script="Hant" typeface="新細明體"/>
+        <a:font script="Arab" typeface="Times New Roman"/>
+        <a:font script="Hebr" typeface="Times New Roman"/>
+        <a:font script="Thai" typeface="Angsana New"/>
+        <a:font script="Ethi" typeface="Nyala"/>
+        <a:font script="Beng" typeface="Vrinda"/>
+        <a:font script="Gujr" typeface="Shruti"/>
+        <a:font script="Khmr" typeface="MoolBoran"/>
+        <a:font script="Knda" typeface="Tunga"/>
+        <a:font script="Guru" typeface="Raavi"/>
+        <a:font script="Cans" typeface="Euphemia"/>
+        <a:font script="Cher" typeface="Plantagenet Cherokee"/>
+        <a:font script="Yiii" typeface="Microsoft Yi Baiti"/>
+        <a:font script="Tibt" typeface="Microsoft Himalaya"/>
+        <a:font script="Thaa" typeface="MV Boli"/>
+        <a:font script="Deva" typeface="Mangal"/>
+        <a:font script="Telu" typeface="Gautami"/>
+        <a:font script="Taml" typeface="Latha"/>
+        <a:font script="Syrc" typeface="Estrangelo Edessa"/>
+        <a:font script="Orya" typeface="Kalinga"/>
+        <a:font script="Mlym" typeface="Kartika"/>
+        <a:font script="Laoo" typeface="DokChampa"/>
+        <a:font script="Sinh" typeface="Iskoola Pota"/>
+        <a:font script="Mong" typeface="Mongolian Baiti"/>
+        <a:font script="Viet" typeface="Times New Roman"/>
+        <a:font script="Uigh" typeface="Microsoft Uighur"/>
+        <a:font script="Geor" typeface="Sylfaen"/>
+        <a:font script="Armn" typeface="Arial"/>
+        <a:font script="Bugi" typeface="Leelawadee UI"/>
+        <a:font script="Bopo" typeface="Microsoft JhengHei"/>
+        <a:font script="Java" typeface="Javanese Text"/>
+        <a:font script="Lisu" typeface="Segoe UI"/>
+        <a:font script="Mymr" typeface="Myanmar Text"/>
+        <a:font script="Nkoo" typeface="Ebrima"/>
+        <a:font script="Olck" typeface="Nirmala UI"/>
+        <a:font script="Osma" typeface="Ebrima"/>
+        <a:font script="Phag" typeface="Phagspa"/>
+        <a:font script="Syrn" typeface="Estrangelo Edessa"/>
+        <a:font script="Syrj" typeface="Estrangelo Edessa"/>
+        <a:font script="Syre" typeface="Estrangelo Edessa"/>
+        <a:font script="Sora" typeface="Nirmala UI"/>
+        <a:font script="Tale" typeface="Microsoft Tai Le"/>
+        <a:font script="Talu" typeface="Microsoft New Tai Lue"/>
+        <a:font script="Tfng" typeface="Ebrima"/>
+      </a:majorFont>
+      <a:minorFont>
+        <a:latin typeface="游ゴシック" panose="020F0502020204030204"/>
+        <a:ea typeface=""/>
+        <a:cs typeface=""/>
+        <a:font script="Jpan" typeface="游ゴシック"/>
+        <a:font script="Hang" typeface="맑은 고딕"/>
+        <a:font script="Hans" typeface="等线"/>
+        <a:font script="Hant" typeface="新細明體"/>
+        <a:font script="Arab" typeface="Arial"/>
+        <a:font script="Hebr" typeface="Arial"/>
+        <a:font script="Thai" typeface="Cordia New"/>
+        <a:font script="Ethi" typeface="Nyala"/>
+        <a:font script="Beng" typeface="Vrinda"/>
+        <a:font script="Gujr" typeface="Shruti"/>
+        <a:font script="Khmr" typeface="DaunPenh"/>
+        <a:font script="Knda" typeface="Tunga"/>
+        <a:font script="Guru" typeface="Raavi"/>
+        <a:font script="Cans" typeface="Euphemia"/>
+        <a:font script="Cher" typeface="Plantagenet Cherokee"/>
+        <a:font script="Yiii" typeface="Microsoft Yi Baiti"/>
+        <a:font script="Tibt" typeface="Microsoft Himalaya"/>
+        <a:font script="Thaa" typeface="MV Boli"/>
+        <a:font script="Deva" typeface="Mangal"/>
+        <a:font script="Telu" typeface="Gautami"/>
+        <a:font script="Taml" typeface="Latha"/>
+        <a:font script="Syrc" typeface="Estrangelo Edessa"/>
+        <a:font script="Orya" typeface="Kalinga"/>
+        <a:font script="Mlym" typeface="Kartika"/>
+        <a:font script="Laoo" typeface="DokChampa"/>
+        <a:font script="Sinh" typeface="Iskoola Pota"/>
+        <a:font script="Mong" typeface="Mongolian Baiti"/>
+        <a:font script="Viet" typeface="Arial"/>
+        <a:font script="Uigh" typeface="Microsoft Uighur"/>
+        <a:font script="Geor" typeface="Sylfaen"/>
+        <a:font script="Armn" typeface="Arial"/>
+        <a:font script="Bugi" typeface="Leelawadee UI"/>
+        <a:font script="Bopo" typeface="Microsoft JhengHei"/>
+        <a:font script="Java" typeface="Javanese Text"/>
+        <a:font script="Lisu" typeface="Segoe UI"/>
+        <a:font script="Mymr" typeface="Myanmar Text"/>
+        <a:font script="Nkoo" typeface="Ebrima"/>
+        <a:font script="Olck" typeface="Nirmala UI"/>
+        <a:font script="Osma" typeface="Ebrima"/>
+        <a:font script="Phag" typeface="Phagspa"/>
+        <a:font script="Syrn" typeface="Estrangelo Edessa"/>
+        <a:font script="Syrj" typeface="Estrangelo Edessa"/>
+        <a:font script="Syre" typeface="Estrangelo Edessa"/>
+        <a:font script="Sora" typeface="Nirmala UI"/>
+        <a:font script="Tale" typeface="Microsoft Tai Le"/>
+        <a:font script="Talu" typeface="Microsoft New Tai Lue"/>
+        <a:font script="Tfng" typeface="Ebrima"/>
+      </a:minorFont>
+    </a:fontScheme>
+    <a:fmtScheme name="Office">
+      <a:fillStyleLst>
+        <a:solidFill>
+          <a:schemeClr val="phClr"/>
+        </a:solidFill>
+        <a:gradFill rotWithShape="1">
+          <a:gsLst>
+            <a:gs pos="0">
+              <a:schemeClr val="phClr">
+                <a:lumMod val="110000"/>
+                <a:satMod val="105000"/>
+                <a:tint val="67000"/>
+              </a:schemeClr>
+            </a:gs>
+            <a:gs pos="50000">
+              <a:schemeClr val="phClr">
+                <a:lumMod val="105000"/>
+                <a:satMod val="103000"/>
+                <a:tint val="73000"/>
+              </a:schemeClr>
+            </a:gs>
+            <a:gs pos="100000">
+              <a:schemeClr val="phClr">
+                <a:lumMod val="105000"/>
+                <a:satMod val="109000"/>
+                <a:tint val="81000"/>
+              </a:schemeClr>
+            </a:gs>
+          </a:gsLst>
+          <a:lin ang="5400000" scaled="0"/>
+        </a:gradFill>
+        <a:gradFill rotWithShape="1">
+          <a:gsLst>
+            <a:gs pos="0">
+              <a:schemeClr val="phClr">
+                <a:satMod val="103000"/>
+                <a:lumMod val="102000"/>
+                <a:tint val="94000"/>
+              </a:schemeClr>
+            </a:gs>
+            <a:gs pos="50000">
+              <a:schemeClr val="phClr">
+                <a:satMod val="110000"/>
+                <a:lumMod val="100000"/>
+                <a:shade val="100000"/>
+              </a:schemeClr>
+            </a:gs>
+            <a:gs pos="100000">
+              <a:schemeClr val="phClr">
+                <a:lumMod val="99000"/>
+                <a:satMod val="120000"/>
+                <a:shade val="78000"/>
+              </a:schemeClr>
+            </a:gs>
+          </a:gsLst>
+          <a:lin ang="5400000" scaled="0"/>
+        </a:gradFill>
+      </a:fillStyleLst>
+      <a:lnStyleLst>
+        <a:ln w="6350" cap="flat" cmpd="sng" algn="ctr">
+          <a:solidFill>
+            <a:schemeClr val="phClr"/>
+          </a:solidFill>
+          <a:prstDash val="solid"/>
+          <a:miter lim="800000"/>
+        </a:ln>
+        <a:ln w="12700" cap="flat" cmpd="sng" algn="ctr">
+          <a:solidFill>
+            <a:schemeClr val="phClr"/>
+          </a:solidFill>
+          <a:prstDash val="solid"/>
+          <a:miter lim="800000"/>
+        </a:ln>
+        <a:ln w="19050" cap="flat" cmpd="sng" algn="ctr">
+          <a:solidFill>
+            <a:schemeClr val="phClr"/>
+          </a:solidFill>
+          <a:prstDash val="solid"/>
+          <a:miter lim="800000"/>
+        </a:ln>
+      </a:lnStyleLst>
+      <a:effectStyleLst>
+        <a:effectStyle>
+          <a:effectLst/>
+        </a:effectStyle>
+        <a:effectStyle>
+          <a:effectLst/>
+        </a:effectStyle>
+        <a:effectStyle>
+          <a:effectLst>
+            <a:outerShdw blurRad="57150" dist="19050" dir="5400000" algn="ctr" rotWithShape="0">
+              <a:srgbClr val="000000">
+                <a:alpha val="63000"/>
+              </a:srgbClr>
+            </a:outerShdw>
+          </a:effectLst>
+        </a:effectStyle>
+      </a:effectStyleLst>
+      <a:bgFillStyleLst>
+        <a:solidFill>
+          <a:schemeClr val="phClr"/>
+        </a:solidFill>
+        <a:solidFill>
+          <a:schemeClr val="phClr">
+            <a:tint val="95000"/>
+            <a:satMod val="170000"/>
+          </a:schemeClr>
+        </a:solidFill>
+        <a:gradFill rotWithShape="1">
+          <a:gsLst>
+            <a:gs pos="0">
+              <a:schemeClr val="phClr">
+                <a:tint val="93000"/>
+                <a:satMod val="150000"/>
+                <a:shade val="98000"/>
+                <a:lumMod val="102000"/>
+              </a:schemeClr>
+            </a:gs>
+            <a:gs pos="50000">
+              <a:schemeClr val="phClr">
+                <a:tint val="98000"/>
+                <a:satMod val="130000"/>
+                <a:shade val="90000"/>
+                <a:lumMod val="103000"/>
+              </a:schemeClr>
+            </a:gs>
+            <a:gs pos="100000">
+              <a:schemeClr val="phClr">
+                <a:shade val="63000"/>
+                <a:satMod val="120000"/>
+              </a:schemeClr>
+            </a:gs>
+          </a:gsLst>
+          <a:lin ang="5400000" scaled="0"/>
+        </a:gradFill>
+      </a:bgFillStyleLst>
+    </a:fmtScheme>
+  </a:themeElements>
+  <a:objectDefaults/>
+  <a:extraClrSchemeLst/>
+  <a:extLst>
+    <a:ext uri="{05A4C25C-085E-4340-85A3-A5531E510DB2}">
+      <thm15:themeFamily xmlns:thm15="http://schemas.microsoft.com/office/thememl/2012/main" name="Office Theme" id="{62F939B6-93AF-4DB8-9C6B-D6C7DFDC589F}" vid="{4A3C46E8-61CC-4603-A589-7422A47A8E4A}"/>
+    </a:ext>
+  </a:extLst>
+</a:theme>
 </file>